--- a/ApresentaçãoBizAgi.pptx
+++ b/ApresentaçãoBizAgi.pptx
@@ -352,7 +352,7 @@
             <a:fld id="{53074F12-AA26-4AC8-9962-C36BB8F32554}" type="datetimeFigureOut">
               <a:rPr lang="en-US" smtClean="0"/>
               <a:pPr/>
-              <a:t>10/14/2018</a:t>
+              <a:t>10/15/2018</a:t>
             </a:fld>
             <a:endParaRPr lang="en-US" dirty="0"/>
           </a:p>
@@ -606,7 +606,7 @@
             <a:fld id="{53074F12-AA26-4AC8-9962-C36BB8F32554}" type="datetimeFigureOut">
               <a:rPr lang="en-US" smtClean="0"/>
               <a:pPr/>
-              <a:t>10/14/2018</a:t>
+              <a:t>10/15/2018</a:t>
             </a:fld>
             <a:endParaRPr lang="en-US" dirty="0"/>
           </a:p>
@@ -776,7 +776,7 @@
             <a:fld id="{53074F12-AA26-4AC8-9962-C36BB8F32554}" type="datetimeFigureOut">
               <a:rPr lang="en-US" smtClean="0"/>
               <a:pPr/>
-              <a:t>10/14/2018</a:t>
+              <a:t>10/15/2018</a:t>
             </a:fld>
             <a:endParaRPr lang="en-US" dirty="0"/>
           </a:p>
@@ -999,7 +999,7 @@
             <a:fld id="{53074F12-AA26-4AC8-9962-C36BB8F32554}" type="datetimeFigureOut">
               <a:rPr lang="en-US" smtClean="0"/>
               <a:pPr/>
-              <a:t>10/14/2018</a:t>
+              <a:t>10/15/2018</a:t>
             </a:fld>
             <a:endParaRPr lang="en-US" dirty="0"/>
           </a:p>
@@ -1232,7 +1232,7 @@
             <a:fld id="{53074F12-AA26-4AC8-9962-C36BB8F32554}" type="datetimeFigureOut">
               <a:rPr lang="en-US" smtClean="0"/>
               <a:pPr/>
-              <a:t>10/14/2018</a:t>
+              <a:t>10/15/2018</a:t>
             </a:fld>
             <a:endParaRPr lang="en-US" dirty="0"/>
           </a:p>
@@ -1523,7 +1523,7 @@
             <a:fld id="{53074F12-AA26-4AC8-9962-C36BB8F32554}" type="datetimeFigureOut">
               <a:rPr lang="en-US" smtClean="0"/>
               <a:pPr/>
-              <a:t>10/14/2018</a:t>
+              <a:t>10/15/2018</a:t>
             </a:fld>
             <a:endParaRPr lang="en-US" dirty="0"/>
           </a:p>
@@ -1770,7 +1770,7 @@
             <a:fld id="{53074F12-AA26-4AC8-9962-C36BB8F32554}" type="datetimeFigureOut">
               <a:rPr lang="en-US" smtClean="0"/>
               <a:pPr/>
-              <a:t>10/14/2018</a:t>
+              <a:t>10/15/2018</a:t>
             </a:fld>
             <a:endParaRPr lang="en-US" dirty="0"/>
           </a:p>
@@ -2057,7 +2057,7 @@
             <a:fld id="{53074F12-AA26-4AC8-9962-C36BB8F32554}" type="datetimeFigureOut">
               <a:rPr lang="en-US" smtClean="0"/>
               <a:pPr/>
-              <a:t>10/14/2018</a:t>
+              <a:t>10/15/2018</a:t>
             </a:fld>
             <a:endParaRPr lang="en-US" dirty="0"/>
           </a:p>
@@ -2544,7 +2544,7 @@
             <a:fld id="{53074F12-AA26-4AC8-9962-C36BB8F32554}" type="datetimeFigureOut">
               <a:rPr lang="en-US" smtClean="0"/>
               <a:pPr/>
-              <a:t>10/14/2018</a:t>
+              <a:t>10/15/2018</a:t>
             </a:fld>
             <a:endParaRPr lang="en-US" dirty="0"/>
           </a:p>
@@ -2663,7 +2663,7 @@
             <a:fld id="{53074F12-AA26-4AC8-9962-C36BB8F32554}" type="datetimeFigureOut">
               <a:rPr lang="en-US" smtClean="0"/>
               <a:pPr/>
-              <a:t>10/14/2018</a:t>
+              <a:t>10/15/2018</a:t>
             </a:fld>
             <a:endParaRPr lang="en-US" dirty="0"/>
           </a:p>
@@ -2760,7 +2760,7 @@
             <a:fld id="{53074F12-AA26-4AC8-9962-C36BB8F32554}" type="datetimeFigureOut">
               <a:rPr lang="en-US" smtClean="0"/>
               <a:pPr/>
-              <a:t>10/14/2018</a:t>
+              <a:t>10/15/2018</a:t>
             </a:fld>
             <a:endParaRPr lang="en-US" dirty="0"/>
           </a:p>
@@ -3037,7 +3037,7 @@
             <a:fld id="{53074F12-AA26-4AC8-9962-C36BB8F32554}" type="datetimeFigureOut">
               <a:rPr lang="en-US" smtClean="0"/>
               <a:pPr/>
-              <a:t>10/14/2018</a:t>
+              <a:t>10/15/2018</a:t>
             </a:fld>
             <a:endParaRPr lang="en-US" dirty="0"/>
           </a:p>
@@ -3259,7 +3259,7 @@
             <a:fld id="{53074F12-AA26-4AC8-9962-C36BB8F32554}" type="datetimeFigureOut">
               <a:rPr lang="en-US" smtClean="0"/>
               <a:pPr/>
-              <a:t>10/14/2018</a:t>
+              <a:t>10/15/2018</a:t>
             </a:fld>
             <a:endParaRPr lang="en-US" dirty="0"/>
           </a:p>
@@ -3759,7 +3759,7 @@
           <p:cNvPr id="1030" name="Picture 6" descr="Resultado de imagem para bizagi logo">
             <a:extLst>
               <a:ext uri="{FF2B5EF4-FFF2-40B4-BE49-F238E27FC236}">
-                <a16:creationId xmlns:a16="http://schemas.microsoft.com/office/drawing/2014/main" id="{FD0D2FE5-4DB8-459C-B48B-B880143A1304}"/>
+                <a16:creationId xmlns:a16="http://schemas.microsoft.com/office/drawing/2014/main" xmlns="" id="{FD0D2FE5-4DB8-459C-B48B-B880143A1304}"/>
               </a:ext>
             </a:extLst>
           </p:cNvPr>
@@ -3942,7 +3942,11 @@
             </a:r>
             <a:r>
               <a:rPr lang="pt-BR" dirty="0"/>
-              <a:t>objetivo do projeto e necessidade de integração com outras ferramentas para a escolha da ferramenta. </a:t>
+              <a:t>objetivo do projeto e necessidade de integração com outras ferramentas para a </a:t>
+            </a:r>
+            <a:r>
+              <a:rPr lang="pt-BR" dirty="0" smtClean="0"/>
+              <a:t>escolha. </a:t>
             </a:r>
             <a:endParaRPr lang="en-US" dirty="0"/>
           </a:p>
@@ -4042,18 +4046,18 @@
           <a:p>
             <a:pPr algn="just"/>
             <a:r>
-              <a:rPr lang="pt-BR" dirty="0"/>
-              <a:t> </a:t>
-            </a:r>
-            <a:r>
-              <a:rPr lang="pt-BR" b="1" dirty="0"/>
-              <a:t>Comparação de Ferramentas BPMN para Modelagem e Execução do Processo de Desenvolvimento de </a:t>
-            </a:r>
-            <a:r>
-              <a:rPr lang="pt-BR" b="1" dirty="0" smtClean="0"/>
+              <a:rPr lang="pt-BR" sz="2400" dirty="0" smtClean="0"/>
+              <a:t>Comparação </a:t>
+            </a:r>
+            <a:r>
+              <a:rPr lang="pt-BR" sz="2400" dirty="0"/>
+              <a:t>de Ferramentas BPMN para Modelagem e Execução do Processo de Desenvolvimento de </a:t>
+            </a:r>
+            <a:r>
+              <a:rPr lang="pt-BR" sz="2400" dirty="0" smtClean="0"/>
               <a:t>Software</a:t>
             </a:r>
-            <a:endParaRPr lang="en-US" b="1" dirty="0"/>
+            <a:endParaRPr lang="en-US" sz="2400" dirty="0"/>
           </a:p>
         </p:txBody>
       </p:sp>
@@ -4377,7 +4381,7 @@
           <p:cNvPr id="3" name="Title 3">
             <a:extLst>
               <a:ext uri="{FF2B5EF4-FFF2-40B4-BE49-F238E27FC236}">
-                <a16:creationId xmlns:a16="http://schemas.microsoft.com/office/drawing/2014/main" id="{A59D1873-F6A8-46DC-9CC8-57AEA8318ADC}"/>
+                <a16:creationId xmlns:a16="http://schemas.microsoft.com/office/drawing/2014/main" xmlns="" id="{A59D1873-F6A8-46DC-9CC8-57AEA8318ADC}"/>
               </a:ext>
             </a:extLst>
           </p:cNvPr>
@@ -4600,7 +4604,6 @@
               <a:rPr lang="pt-BR" dirty="0"/>
               <a:t>Pontos Fortes</a:t>
             </a:r>
-            <a:endParaRPr lang="pt-BR" dirty="0"/>
           </a:p>
         </p:txBody>
       </p:sp>
@@ -4629,15 +4632,7 @@
             <a:pPr algn="just"/>
             <a:r>
               <a:rPr lang="pt-BR" sz="2400" dirty="0" smtClean="0"/>
-              <a:t>Utiliza notação padrão BPMN (</a:t>
-            </a:r>
-            <a:r>
-              <a:rPr lang="pt-BR" sz="2400" dirty="0" smtClean="0"/>
-              <a:t>Business Process Model and Notation ou Modelo e Notação de Processos de Negócios)</a:t>
-            </a:r>
-            <a:r>
-              <a:rPr lang="pt-BR" sz="2400" dirty="0" smtClean="0"/>
-              <a:t> para modelagem dos processos de negócio; </a:t>
+              <a:t>Utiliza notação padrão BPMN (Business Process Model and Notation ou Modelo e Notação de Processos de Negócios) para modelagem dos processos de negócio; </a:t>
             </a:r>
           </a:p>
           <a:p>
@@ -4898,7 +4893,47 @@
             </a:r>
             <a:r>
               <a:rPr lang="pt-BR" sz="2400" dirty="0"/>
-              <a:t>uma solução baseada em SOA, por isso pode-se conectar-se ao processo, sem necessidade de programação, utilizando Web Services; </a:t>
+              <a:t>uma solução baseada em </a:t>
+            </a:r>
+            <a:r>
+              <a:rPr lang="pt-BR" sz="2400" dirty="0" smtClean="0"/>
+              <a:t>SOA (</a:t>
+            </a:r>
+            <a:r>
+              <a:rPr lang="pt-BR" sz="2400" dirty="0"/>
+              <a:t>Service </a:t>
+            </a:r>
+            <a:r>
+              <a:rPr lang="pt-BR" sz="2400" dirty="0" err="1"/>
+              <a:t>Oriented</a:t>
+            </a:r>
+            <a:r>
+              <a:rPr lang="pt-BR" sz="2400" dirty="0"/>
+              <a:t> </a:t>
+            </a:r>
+            <a:r>
+              <a:rPr lang="pt-BR" sz="2400" dirty="0" err="1" smtClean="0"/>
+              <a:t>Architecture</a:t>
+            </a:r>
+            <a:r>
+              <a:rPr lang="pt-BR" sz="2400" dirty="0" smtClean="0"/>
+              <a:t> ou </a:t>
+            </a:r>
+            <a:r>
+              <a:rPr lang="pt-BR" sz="2400" dirty="0"/>
+              <a:t>Arquitetura Orientada a </a:t>
+            </a:r>
+            <a:r>
+              <a:rPr lang="pt-BR" sz="2400" dirty="0" smtClean="0"/>
+              <a:t>Serviços)</a:t>
+            </a:r>
+            <a:r>
+              <a:rPr lang="pt-BR" sz="2400" dirty="0" smtClean="0"/>
+              <a:t>, </a:t>
+            </a:r>
+            <a:r>
+              <a:rPr lang="pt-BR" sz="2400" dirty="0"/>
+              <a:t>por isso pode-se conectar-se ao processo, sem necessidade de programação, utilizando Web Services; </a:t>
             </a:r>
           </a:p>
           <a:p>
@@ -4920,14 +4955,9 @@
               <a:t>real</a:t>
             </a:r>
             <a:r>
-              <a:rPr lang="pt-BR" sz="2400" dirty="0"/>
+              <a:rPr lang="pt-BR" sz="2400" dirty="0" smtClean="0"/>
               <a:t>;</a:t>
             </a:r>
-          </a:p>
-          <a:p>
-            <a:pPr marL="0" indent="0" algn="just">
-              <a:buNone/>
-            </a:pPr>
             <a:endParaRPr lang="en-US" sz="2400" dirty="0"/>
           </a:p>
         </p:txBody>
@@ -4942,6 +4972,13 @@
   <p:clrMapOvr>
     <a:masterClrMapping/>
   </p:clrMapOvr>
+  <p:timing>
+    <p:tnLst>
+      <p:par>
+        <p:cTn id="1" dur="indefinite" restart="never" nodeType="tmRoot"/>
+      </p:par>
+    </p:tnLst>
+  </p:timing>
 </p:sld>
 </file>
 
@@ -5102,7 +5139,7 @@
           <p:cNvPr id="8" name="Title 1">
             <a:extLst>
               <a:ext uri="{FF2B5EF4-FFF2-40B4-BE49-F238E27FC236}">
-                <a16:creationId xmlns:a16="http://schemas.microsoft.com/office/drawing/2014/main" id="{8E1B6E6A-DA13-40FB-901B-6237DC0FE504}"/>
+                <a16:creationId xmlns:a16="http://schemas.microsoft.com/office/drawing/2014/main" xmlns="" id="{8E1B6E6A-DA13-40FB-901B-6237DC0FE504}"/>
               </a:ext>
             </a:extLst>
           </p:cNvPr>
@@ -5161,7 +5198,7 @@
           <p:cNvPr id="9" name="Imagem 8">
             <a:extLst>
               <a:ext uri="{FF2B5EF4-FFF2-40B4-BE49-F238E27FC236}">
-                <a16:creationId xmlns:a16="http://schemas.microsoft.com/office/drawing/2014/main" id="{21549751-3AF8-4D68-9A05-648FF0E7CC8F}"/>
+                <a16:creationId xmlns:a16="http://schemas.microsoft.com/office/drawing/2014/main" xmlns="" id="{21549751-3AF8-4D68-9A05-648FF0E7CC8F}"/>
               </a:ext>
             </a:extLst>
           </p:cNvPr>
@@ -5257,7 +5294,7 @@
           <p:cNvPr id="7" name="Imagem 6">
             <a:extLst>
               <a:ext uri="{FF2B5EF4-FFF2-40B4-BE49-F238E27FC236}">
-                <a16:creationId xmlns:a16="http://schemas.microsoft.com/office/drawing/2014/main" id="{F8BE6462-2867-4B93-8D58-D4367FB6FBAD}"/>
+                <a16:creationId xmlns:a16="http://schemas.microsoft.com/office/drawing/2014/main" xmlns="" id="{F8BE6462-2867-4B93-8D58-D4367FB6FBAD}"/>
               </a:ext>
             </a:extLst>
           </p:cNvPr>
@@ -5286,7 +5323,7 @@
           <p:cNvPr id="8" name="Title 1">
             <a:extLst>
               <a:ext uri="{FF2B5EF4-FFF2-40B4-BE49-F238E27FC236}">
-                <a16:creationId xmlns:a16="http://schemas.microsoft.com/office/drawing/2014/main" id="{8E1B6E6A-DA13-40FB-901B-6237DC0FE504}"/>
+                <a16:creationId xmlns:a16="http://schemas.microsoft.com/office/drawing/2014/main" xmlns="" id="{8E1B6E6A-DA13-40FB-901B-6237DC0FE504}"/>
               </a:ext>
             </a:extLst>
           </p:cNvPr>
@@ -5412,7 +5449,7 @@
           <p:cNvPr id="7" name="Tabela 6">
             <a:extLst>
               <a:ext uri="{FF2B5EF4-FFF2-40B4-BE49-F238E27FC236}">
-                <a16:creationId xmlns:a16="http://schemas.microsoft.com/office/drawing/2014/main" id="{B770D3DA-A341-4233-B0BD-7787DF76EE1D}"/>
+                <a16:creationId xmlns:a16="http://schemas.microsoft.com/office/drawing/2014/main" xmlns="" id="{B770D3DA-A341-4233-B0BD-7787DF76EE1D}"/>
               </a:ext>
             </a:extLst>
           </p:cNvPr>
@@ -5441,56 +5478,56 @@
                 <a:gridCol w="4080661">
                   <a:extLst>
                     <a:ext uri="{9D8B030D-6E8A-4147-A177-3AD203B41FA5}">
-                      <a16:colId xmlns:a16="http://schemas.microsoft.com/office/drawing/2014/main" val="194556566"/>
+                      <a16:colId xmlns:a16="http://schemas.microsoft.com/office/drawing/2014/main" xmlns="" val="194556566"/>
                     </a:ext>
                   </a:extLst>
                 </a:gridCol>
                 <a:gridCol w="544861">
                   <a:extLst>
                     <a:ext uri="{9D8B030D-6E8A-4147-A177-3AD203B41FA5}">
-                      <a16:colId xmlns:a16="http://schemas.microsoft.com/office/drawing/2014/main" val="2120723440"/>
+                      <a16:colId xmlns:a16="http://schemas.microsoft.com/office/drawing/2014/main" xmlns="" val="2120723440"/>
                     </a:ext>
                   </a:extLst>
                 </a:gridCol>
                 <a:gridCol w="544861">
                   <a:extLst>
                     <a:ext uri="{9D8B030D-6E8A-4147-A177-3AD203B41FA5}">
-                      <a16:colId xmlns:a16="http://schemas.microsoft.com/office/drawing/2014/main" val="890657501"/>
+                      <a16:colId xmlns:a16="http://schemas.microsoft.com/office/drawing/2014/main" xmlns="" val="890657501"/>
                     </a:ext>
                   </a:extLst>
                 </a:gridCol>
                 <a:gridCol w="591233">
                   <a:extLst>
                     <a:ext uri="{9D8B030D-6E8A-4147-A177-3AD203B41FA5}">
-                      <a16:colId xmlns:a16="http://schemas.microsoft.com/office/drawing/2014/main" val="3271454905"/>
+                      <a16:colId xmlns:a16="http://schemas.microsoft.com/office/drawing/2014/main" xmlns="" val="3271454905"/>
                     </a:ext>
                   </a:extLst>
                 </a:gridCol>
                 <a:gridCol w="660789">
                   <a:extLst>
                     <a:ext uri="{9D8B030D-6E8A-4147-A177-3AD203B41FA5}">
-                      <a16:colId xmlns:a16="http://schemas.microsoft.com/office/drawing/2014/main" val="57133753"/>
+                      <a16:colId xmlns:a16="http://schemas.microsoft.com/office/drawing/2014/main" xmlns="" val="57133753"/>
                     </a:ext>
                   </a:extLst>
                 </a:gridCol>
                 <a:gridCol w="637603">
                   <a:extLst>
                     <a:ext uri="{9D8B030D-6E8A-4147-A177-3AD203B41FA5}">
-                      <a16:colId xmlns:a16="http://schemas.microsoft.com/office/drawing/2014/main" val="1027436920"/>
+                      <a16:colId xmlns:a16="http://schemas.microsoft.com/office/drawing/2014/main" xmlns="" val="1027436920"/>
                     </a:ext>
                   </a:extLst>
                 </a:gridCol>
                 <a:gridCol w="521675">
                   <a:extLst>
                     <a:ext uri="{9D8B030D-6E8A-4147-A177-3AD203B41FA5}">
-                      <a16:colId xmlns:a16="http://schemas.microsoft.com/office/drawing/2014/main" val="2057660112"/>
+                      <a16:colId xmlns:a16="http://schemas.microsoft.com/office/drawing/2014/main" xmlns="" val="2057660112"/>
                     </a:ext>
                   </a:extLst>
                 </a:gridCol>
                 <a:gridCol w="1275207">
                   <a:extLst>
                     <a:ext uri="{9D8B030D-6E8A-4147-A177-3AD203B41FA5}">
-                      <a16:colId xmlns:a16="http://schemas.microsoft.com/office/drawing/2014/main" val="58662729"/>
+                      <a16:colId xmlns:a16="http://schemas.microsoft.com/office/drawing/2014/main" xmlns="" val="58662729"/>
                     </a:ext>
                   </a:extLst>
                 </a:gridCol>
@@ -5649,7 +5686,7 @@
                 </a:tc>
                 <a:extLst>
                   <a:ext uri="{0D108BD9-81ED-4DB2-BD59-A6C34878D82A}">
-                    <a16:rowId xmlns:a16="http://schemas.microsoft.com/office/drawing/2014/main" val="2020582067"/>
+                    <a16:rowId xmlns:a16="http://schemas.microsoft.com/office/drawing/2014/main" xmlns="" val="2020582067"/>
                   </a:ext>
                 </a:extLst>
               </a:tr>
@@ -5855,7 +5892,7 @@
                 </a:tc>
                 <a:extLst>
                   <a:ext uri="{0D108BD9-81ED-4DB2-BD59-A6C34878D82A}">
-                    <a16:rowId xmlns:a16="http://schemas.microsoft.com/office/drawing/2014/main" val="233964848"/>
+                    <a16:rowId xmlns:a16="http://schemas.microsoft.com/office/drawing/2014/main" xmlns="" val="233964848"/>
                   </a:ext>
                 </a:extLst>
               </a:tr>
@@ -6074,7 +6111,7 @@
                 </a:tc>
                 <a:extLst>
                   <a:ext uri="{0D108BD9-81ED-4DB2-BD59-A6C34878D82A}">
-                    <a16:rowId xmlns:a16="http://schemas.microsoft.com/office/drawing/2014/main" val="1666724899"/>
+                    <a16:rowId xmlns:a16="http://schemas.microsoft.com/office/drawing/2014/main" xmlns="" val="1666724899"/>
                   </a:ext>
                 </a:extLst>
               </a:tr>
@@ -6293,7 +6330,7 @@
                 </a:tc>
                 <a:extLst>
                   <a:ext uri="{0D108BD9-81ED-4DB2-BD59-A6C34878D82A}">
-                    <a16:rowId xmlns:a16="http://schemas.microsoft.com/office/drawing/2014/main" val="3904080030"/>
+                    <a16:rowId xmlns:a16="http://schemas.microsoft.com/office/drawing/2014/main" xmlns="" val="3904080030"/>
                   </a:ext>
                 </a:extLst>
               </a:tr>
@@ -6512,7 +6549,7 @@
                 </a:tc>
                 <a:extLst>
                   <a:ext uri="{0D108BD9-81ED-4DB2-BD59-A6C34878D82A}">
-                    <a16:rowId xmlns:a16="http://schemas.microsoft.com/office/drawing/2014/main" val="2384572215"/>
+                    <a16:rowId xmlns:a16="http://schemas.microsoft.com/office/drawing/2014/main" xmlns="" val="2384572215"/>
                   </a:ext>
                 </a:extLst>
               </a:tr>
@@ -6731,7 +6768,7 @@
                 </a:tc>
                 <a:extLst>
                   <a:ext uri="{0D108BD9-81ED-4DB2-BD59-A6C34878D82A}">
-                    <a16:rowId xmlns:a16="http://schemas.microsoft.com/office/drawing/2014/main" val="703493844"/>
+                    <a16:rowId xmlns:a16="http://schemas.microsoft.com/office/drawing/2014/main" xmlns="" val="703493844"/>
                   </a:ext>
                 </a:extLst>
               </a:tr>
@@ -6950,7 +6987,7 @@
                 </a:tc>
                 <a:extLst>
                   <a:ext uri="{0D108BD9-81ED-4DB2-BD59-A6C34878D82A}">
-                    <a16:rowId xmlns:a16="http://schemas.microsoft.com/office/drawing/2014/main" val="3040954058"/>
+                    <a16:rowId xmlns:a16="http://schemas.microsoft.com/office/drawing/2014/main" xmlns="" val="3040954058"/>
                   </a:ext>
                 </a:extLst>
               </a:tr>
@@ -7169,7 +7206,7 @@
                 </a:tc>
                 <a:extLst>
                   <a:ext uri="{0D108BD9-81ED-4DB2-BD59-A6C34878D82A}">
-                    <a16:rowId xmlns:a16="http://schemas.microsoft.com/office/drawing/2014/main" val="961403676"/>
+                    <a16:rowId xmlns:a16="http://schemas.microsoft.com/office/drawing/2014/main" xmlns="" val="961403676"/>
                   </a:ext>
                 </a:extLst>
               </a:tr>
@@ -7388,7 +7425,7 @@
                 </a:tc>
                 <a:extLst>
                   <a:ext uri="{0D108BD9-81ED-4DB2-BD59-A6C34878D82A}">
-                    <a16:rowId xmlns:a16="http://schemas.microsoft.com/office/drawing/2014/main" val="338729972"/>
+                    <a16:rowId xmlns:a16="http://schemas.microsoft.com/office/drawing/2014/main" xmlns="" val="338729972"/>
                   </a:ext>
                 </a:extLst>
               </a:tr>
@@ -7607,7 +7644,7 @@
                 </a:tc>
                 <a:extLst>
                   <a:ext uri="{0D108BD9-81ED-4DB2-BD59-A6C34878D82A}">
-                    <a16:rowId xmlns:a16="http://schemas.microsoft.com/office/drawing/2014/main" val="4266661960"/>
+                    <a16:rowId xmlns:a16="http://schemas.microsoft.com/office/drawing/2014/main" xmlns="" val="4266661960"/>
                   </a:ext>
                 </a:extLst>
               </a:tr>
@@ -7826,7 +7863,7 @@
                 </a:tc>
                 <a:extLst>
                   <a:ext uri="{0D108BD9-81ED-4DB2-BD59-A6C34878D82A}">
-                    <a16:rowId xmlns:a16="http://schemas.microsoft.com/office/drawing/2014/main" val="297487092"/>
+                    <a16:rowId xmlns:a16="http://schemas.microsoft.com/office/drawing/2014/main" xmlns="" val="297487092"/>
                   </a:ext>
                 </a:extLst>
               </a:tr>
@@ -8045,7 +8082,7 @@
                 </a:tc>
                 <a:extLst>
                   <a:ext uri="{0D108BD9-81ED-4DB2-BD59-A6C34878D82A}">
-                    <a16:rowId xmlns:a16="http://schemas.microsoft.com/office/drawing/2014/main" val="995405840"/>
+                    <a16:rowId xmlns:a16="http://schemas.microsoft.com/office/drawing/2014/main" xmlns="" val="995405840"/>
                   </a:ext>
                 </a:extLst>
               </a:tr>
@@ -8264,7 +8301,7 @@
                 </a:tc>
                 <a:extLst>
                   <a:ext uri="{0D108BD9-81ED-4DB2-BD59-A6C34878D82A}">
-                    <a16:rowId xmlns:a16="http://schemas.microsoft.com/office/drawing/2014/main" val="2613110962"/>
+                    <a16:rowId xmlns:a16="http://schemas.microsoft.com/office/drawing/2014/main" xmlns="" val="2613110962"/>
                   </a:ext>
                 </a:extLst>
               </a:tr>

--- a/ApresentaçãoBizAgi.pptx
+++ b/ApresentaçãoBizAgi.pptx
@@ -3759,7 +3759,7 @@
           <p:cNvPr id="1030" name="Picture 6" descr="Resultado de imagem para bizagi logo">
             <a:extLst>
               <a:ext uri="{FF2B5EF4-FFF2-40B4-BE49-F238E27FC236}">
-                <a16:creationId xmlns:a16="http://schemas.microsoft.com/office/drawing/2014/main" xmlns="" id="{FD0D2FE5-4DB8-459C-B48B-B880143A1304}"/>
+                <a16:creationId xmlns="" xmlns:a16="http://schemas.microsoft.com/office/drawing/2014/main" id="{FD0D2FE5-4DB8-459C-B48B-B880143A1304}"/>
               </a:ext>
             </a:extLst>
           </p:cNvPr>
@@ -4381,7 +4381,7 @@
           <p:cNvPr id="3" name="Title 3">
             <a:extLst>
               <a:ext uri="{FF2B5EF4-FFF2-40B4-BE49-F238E27FC236}">
-                <a16:creationId xmlns:a16="http://schemas.microsoft.com/office/drawing/2014/main" xmlns="" id="{A59D1873-F6A8-46DC-9CC8-57AEA8318ADC}"/>
+                <a16:creationId xmlns="" xmlns:a16="http://schemas.microsoft.com/office/drawing/2014/main" id="{A59D1873-F6A8-46DC-9CC8-57AEA8318ADC}"/>
               </a:ext>
             </a:extLst>
           </p:cNvPr>
@@ -4925,11 +4925,7 @@
             </a:r>
             <a:r>
               <a:rPr lang="pt-BR" sz="2400" dirty="0" smtClean="0"/>
-              <a:t>Serviços)</a:t>
-            </a:r>
-            <a:r>
-              <a:rPr lang="pt-BR" sz="2400" dirty="0" smtClean="0"/>
-              <a:t>, </a:t>
+              <a:t>Serviços), </a:t>
             </a:r>
             <a:r>
               <a:rPr lang="pt-BR" sz="2400" dirty="0"/>
@@ -4952,11 +4948,7 @@
             </a:r>
             <a:r>
               <a:rPr lang="pt-BR" sz="2400" dirty="0" smtClean="0"/>
-              <a:t>real</a:t>
-            </a:r>
-            <a:r>
-              <a:rPr lang="pt-BR" sz="2400" dirty="0" smtClean="0"/>
-              <a:t>;</a:t>
+              <a:t>real;</a:t>
             </a:r>
             <a:endParaRPr lang="en-US" sz="2400" dirty="0"/>
           </a:p>
@@ -5054,8 +5046,16 @@
             <a:pPr algn="just"/>
             <a:r>
               <a:rPr lang="pt-BR" sz="2400" dirty="0" smtClean="0"/>
-              <a:t>O BizAgi é uma ferramenta paga, com versão comercial para empresas de pequeno e médio porte, mas possui módulo gratuito para modelagem do processo e todos os pontos fortes são características da versão paga.</a:t>
-            </a:r>
+              <a:t>O BizAgi é uma ferramenta paga, com versão comercial para empresas de pequeno e médio porte, mas possui módulo gratuito para modelagem do processo e todos os pontos fortes são características da versão paga</a:t>
+            </a:r>
+            <a:r>
+              <a:rPr lang="pt-BR" sz="2400" dirty="0" smtClean="0"/>
+              <a:t>.</a:t>
+            </a:r>
+          </a:p>
+          <a:p>
+            <a:pPr algn="just"/>
+            <a:endParaRPr lang="pt-BR" sz="2400" dirty="0" smtClean="0"/>
           </a:p>
           <a:p>
             <a:pPr algn="just"/>
@@ -5139,7 +5139,7 @@
           <p:cNvPr id="8" name="Title 1">
             <a:extLst>
               <a:ext uri="{FF2B5EF4-FFF2-40B4-BE49-F238E27FC236}">
-                <a16:creationId xmlns:a16="http://schemas.microsoft.com/office/drawing/2014/main" xmlns="" id="{8E1B6E6A-DA13-40FB-901B-6237DC0FE504}"/>
+                <a16:creationId xmlns="" xmlns:a16="http://schemas.microsoft.com/office/drawing/2014/main" id="{8E1B6E6A-DA13-40FB-901B-6237DC0FE504}"/>
               </a:ext>
             </a:extLst>
           </p:cNvPr>
@@ -5198,7 +5198,7 @@
           <p:cNvPr id="9" name="Imagem 8">
             <a:extLst>
               <a:ext uri="{FF2B5EF4-FFF2-40B4-BE49-F238E27FC236}">
-                <a16:creationId xmlns:a16="http://schemas.microsoft.com/office/drawing/2014/main" xmlns="" id="{21549751-3AF8-4D68-9A05-648FF0E7CC8F}"/>
+                <a16:creationId xmlns="" xmlns:a16="http://schemas.microsoft.com/office/drawing/2014/main" id="{21549751-3AF8-4D68-9A05-648FF0E7CC8F}"/>
               </a:ext>
             </a:extLst>
           </p:cNvPr>
@@ -5294,7 +5294,7 @@
           <p:cNvPr id="7" name="Imagem 6">
             <a:extLst>
               <a:ext uri="{FF2B5EF4-FFF2-40B4-BE49-F238E27FC236}">
-                <a16:creationId xmlns:a16="http://schemas.microsoft.com/office/drawing/2014/main" xmlns="" id="{F8BE6462-2867-4B93-8D58-D4367FB6FBAD}"/>
+                <a16:creationId xmlns="" xmlns:a16="http://schemas.microsoft.com/office/drawing/2014/main" id="{F8BE6462-2867-4B93-8D58-D4367FB6FBAD}"/>
               </a:ext>
             </a:extLst>
           </p:cNvPr>
@@ -5323,7 +5323,7 @@
           <p:cNvPr id="8" name="Title 1">
             <a:extLst>
               <a:ext uri="{FF2B5EF4-FFF2-40B4-BE49-F238E27FC236}">
-                <a16:creationId xmlns:a16="http://schemas.microsoft.com/office/drawing/2014/main" xmlns="" id="{8E1B6E6A-DA13-40FB-901B-6237DC0FE504}"/>
+                <a16:creationId xmlns="" xmlns:a16="http://schemas.microsoft.com/office/drawing/2014/main" id="{8E1B6E6A-DA13-40FB-901B-6237DC0FE504}"/>
               </a:ext>
             </a:extLst>
           </p:cNvPr>
@@ -5449,7 +5449,7 @@
           <p:cNvPr id="7" name="Tabela 6">
             <a:extLst>
               <a:ext uri="{FF2B5EF4-FFF2-40B4-BE49-F238E27FC236}">
-                <a16:creationId xmlns:a16="http://schemas.microsoft.com/office/drawing/2014/main" xmlns="" id="{B770D3DA-A341-4233-B0BD-7787DF76EE1D}"/>
+                <a16:creationId xmlns="" xmlns:a16="http://schemas.microsoft.com/office/drawing/2014/main" id="{B770D3DA-A341-4233-B0BD-7787DF76EE1D}"/>
               </a:ext>
             </a:extLst>
           </p:cNvPr>
@@ -5459,14 +5459,14 @@
           <p:nvPr>
             <p:extLst>
               <p:ext uri="{D42A27DB-BD31-4B8C-83A1-F6EECF244321}">
-                <p14:modId xmlns:p14="http://schemas.microsoft.com/office/powerpoint/2010/main" val="3124861680"/>
+                <p14:modId xmlns:p14="http://schemas.microsoft.com/office/powerpoint/2010/main" val="3947361203"/>
               </p:ext>
             </p:extLst>
           </p:nvPr>
         </p:nvGraphicFramePr>
         <p:xfrm>
-          <a:off x="143555" y="1291130"/>
-          <a:ext cx="8856890" cy="5497384"/>
+          <a:off x="296260" y="1291130"/>
+          <a:ext cx="8551480" cy="5475672"/>
         </p:xfrm>
         <a:graphic>
           <a:graphicData uri="http://schemas.openxmlformats.org/drawingml/2006/table">
@@ -5475,64 +5475,64 @@
                 <a:tableStyleId>{93296810-A885-4BE3-A3E7-6D5BEEA58F35}</a:tableStyleId>
               </a:tblPr>
               <a:tblGrid>
-                <a:gridCol w="4080661">
+                <a:gridCol w="4010305">
                   <a:extLst>
                     <a:ext uri="{9D8B030D-6E8A-4147-A177-3AD203B41FA5}">
-                      <a16:colId xmlns:a16="http://schemas.microsoft.com/office/drawing/2014/main" xmlns="" val="194556566"/>
+                      <a16:colId xmlns="" xmlns:a16="http://schemas.microsoft.com/office/drawing/2014/main" val="194556566"/>
                     </a:ext>
                   </a:extLst>
                 </a:gridCol>
-                <a:gridCol w="544861">
+                <a:gridCol w="535467">
                   <a:extLst>
                     <a:ext uri="{9D8B030D-6E8A-4147-A177-3AD203B41FA5}">
-                      <a16:colId xmlns:a16="http://schemas.microsoft.com/office/drawing/2014/main" xmlns="" val="2120723440"/>
+                      <a16:colId xmlns="" xmlns:a16="http://schemas.microsoft.com/office/drawing/2014/main" val="2120723440"/>
                     </a:ext>
                   </a:extLst>
                 </a:gridCol>
-                <a:gridCol w="544861">
+                <a:gridCol w="535467">
                   <a:extLst>
                     <a:ext uri="{9D8B030D-6E8A-4147-A177-3AD203B41FA5}">
-                      <a16:colId xmlns:a16="http://schemas.microsoft.com/office/drawing/2014/main" xmlns="" val="890657501"/>
+                      <a16:colId xmlns="" xmlns:a16="http://schemas.microsoft.com/office/drawing/2014/main" val="890657501"/>
                     </a:ext>
                   </a:extLst>
                 </a:gridCol>
-                <a:gridCol w="591233">
+                <a:gridCol w="581039">
                   <a:extLst>
                     <a:ext uri="{9D8B030D-6E8A-4147-A177-3AD203B41FA5}">
-                      <a16:colId xmlns:a16="http://schemas.microsoft.com/office/drawing/2014/main" xmlns="" val="3271454905"/>
+                      <a16:colId xmlns="" xmlns:a16="http://schemas.microsoft.com/office/drawing/2014/main" val="3271454905"/>
                     </a:ext>
                   </a:extLst>
                 </a:gridCol>
-                <a:gridCol w="660789">
+                <a:gridCol w="649396">
                   <a:extLst>
                     <a:ext uri="{9D8B030D-6E8A-4147-A177-3AD203B41FA5}">
-                      <a16:colId xmlns:a16="http://schemas.microsoft.com/office/drawing/2014/main" xmlns="" val="57133753"/>
+                      <a16:colId xmlns="" xmlns:a16="http://schemas.microsoft.com/office/drawing/2014/main" val="57133753"/>
                     </a:ext>
                   </a:extLst>
                 </a:gridCol>
-                <a:gridCol w="637603">
+                <a:gridCol w="626610">
                   <a:extLst>
                     <a:ext uri="{9D8B030D-6E8A-4147-A177-3AD203B41FA5}">
-                      <a16:colId xmlns:a16="http://schemas.microsoft.com/office/drawing/2014/main" xmlns="" val="1027436920"/>
+                      <a16:colId xmlns="" xmlns:a16="http://schemas.microsoft.com/office/drawing/2014/main" val="1027436920"/>
                     </a:ext>
                   </a:extLst>
                 </a:gridCol>
-                <a:gridCol w="521675">
+                <a:gridCol w="512681">
                   <a:extLst>
                     <a:ext uri="{9D8B030D-6E8A-4147-A177-3AD203B41FA5}">
-                      <a16:colId xmlns:a16="http://schemas.microsoft.com/office/drawing/2014/main" xmlns="" val="2057660112"/>
+                      <a16:colId xmlns="" xmlns:a16="http://schemas.microsoft.com/office/drawing/2014/main" val="2057660112"/>
                     </a:ext>
                   </a:extLst>
                 </a:gridCol>
-                <a:gridCol w="1275207">
+                <a:gridCol w="1100515">
                   <a:extLst>
                     <a:ext uri="{9D8B030D-6E8A-4147-A177-3AD203B41FA5}">
-                      <a16:colId xmlns:a16="http://schemas.microsoft.com/office/drawing/2014/main" xmlns="" val="58662729"/>
+                      <a16:colId xmlns="" xmlns:a16="http://schemas.microsoft.com/office/drawing/2014/main" val="58662729"/>
                     </a:ext>
                   </a:extLst>
                 </a:gridCol>
               </a:tblGrid>
-              <a:tr h="612911">
+              <a:tr h="595038">
                 <a:tc rowSpan="2">
                   <a:txBody>
                     <a:bodyPr/>
@@ -5686,11 +5686,11 @@
                 </a:tc>
                 <a:extLst>
                   <a:ext uri="{0D108BD9-81ED-4DB2-BD59-A6C34878D82A}">
-                    <a16:rowId xmlns:a16="http://schemas.microsoft.com/office/drawing/2014/main" xmlns="" val="2020582067"/>
+                    <a16:rowId xmlns="" xmlns:a16="http://schemas.microsoft.com/office/drawing/2014/main" val="2020582067"/>
                   </a:ext>
                 </a:extLst>
               </a:tr>
-              <a:tr h="324237">
+              <a:tr h="314782">
                 <a:tc vMerge="1">
                   <a:txBody>
                     <a:bodyPr/>
@@ -5892,11 +5892,11 @@
                 </a:tc>
                 <a:extLst>
                   <a:ext uri="{0D108BD9-81ED-4DB2-BD59-A6C34878D82A}">
-                    <a16:rowId xmlns:a16="http://schemas.microsoft.com/office/drawing/2014/main" xmlns="" val="233964848"/>
+                    <a16:rowId xmlns="" xmlns:a16="http://schemas.microsoft.com/office/drawing/2014/main" val="233964848"/>
                   </a:ext>
                 </a:extLst>
               </a:tr>
-              <a:tr h="303319">
+              <a:tr h="294474">
                 <a:tc>
                   <a:txBody>
                     <a:bodyPr/>
@@ -5925,19 +5925,27 @@
                     <a:bodyPr/>
                     <a:lstStyle/>
                     <a:p>
-                      <a:pPr algn="ctr" fontAlgn="ctr"/>
-                      <a:r>
-                        <a:rPr lang="pt-BR" sz="1600" u="none" strike="noStrike" dirty="0">
-                          <a:effectLst/>
-                        </a:rPr>
-                        <a:t>X</a:t>
-                      </a:r>
-                      <a:endParaRPr lang="pt-BR" sz="1600" b="1" i="0" u="none" strike="noStrike" dirty="0">
+                      <a:pPr algn="ctr"/>
+                      <a:r>
+                        <a:rPr lang="pt-BR" sz="1400" b="1" kern="1200" dirty="0" smtClean="0">
+                          <a:solidFill>
+                            <a:srgbClr val="00B050"/>
+                          </a:solidFill>
+                          <a:effectLst/>
+                          <a:latin typeface="+mn-lt"/>
+                          <a:ea typeface="+mn-ea"/>
+                          <a:cs typeface="+mn-cs"/>
+                        </a:rPr>
+                        <a:t>✔</a:t>
+                      </a:r>
+                      <a:endParaRPr lang="pt-BR" sz="1400" b="1" kern="1200" dirty="0">
                         <a:solidFill>
-                          <a:srgbClr val="C65911"/>
+                          <a:srgbClr val="00B050"/>
                         </a:solidFill>
                         <a:effectLst/>
-                        <a:latin typeface="Calibri" panose="020F0502020204030204" pitchFamily="34" charset="0"/>
+                        <a:latin typeface="+mn-lt"/>
+                        <a:ea typeface="+mn-ea"/>
+                        <a:cs typeface="+mn-cs"/>
                       </a:endParaRPr>
                     </a:p>
                   </a:txBody>
@@ -5948,19 +5956,27 @@
                     <a:bodyPr/>
                     <a:lstStyle/>
                     <a:p>
-                      <a:pPr algn="ctr" fontAlgn="ctr"/>
-                      <a:r>
-                        <a:rPr lang="pt-BR" sz="1600" u="none" strike="noStrike" dirty="0">
-                          <a:effectLst/>
-                        </a:rPr>
-                        <a:t>X</a:t>
-                      </a:r>
-                      <a:endParaRPr lang="pt-BR" sz="1600" b="1" i="0" u="none" strike="noStrike" dirty="0">
+                      <a:pPr algn="ctr"/>
+                      <a:r>
+                        <a:rPr lang="pt-BR" sz="1400" b="1" kern="1200" dirty="0" smtClean="0">
+                          <a:solidFill>
+                            <a:srgbClr val="00B050"/>
+                          </a:solidFill>
+                          <a:effectLst/>
+                          <a:latin typeface="+mn-lt"/>
+                          <a:ea typeface="+mn-ea"/>
+                          <a:cs typeface="+mn-cs"/>
+                        </a:rPr>
+                        <a:t>✔</a:t>
+                      </a:r>
+                      <a:endParaRPr lang="pt-BR" sz="1400" b="1" kern="1200" dirty="0">
                         <a:solidFill>
-                          <a:srgbClr val="C65911"/>
+                          <a:srgbClr val="00B050"/>
                         </a:solidFill>
                         <a:effectLst/>
-                        <a:latin typeface="Calibri" panose="020F0502020204030204" pitchFamily="34" charset="0"/>
+                        <a:latin typeface="+mn-lt"/>
+                        <a:ea typeface="+mn-ea"/>
+                        <a:cs typeface="+mn-cs"/>
                       </a:endParaRPr>
                     </a:p>
                   </a:txBody>
@@ -5978,19 +5994,31 @@
                     <a:bodyPr/>
                     <a:lstStyle/>
                     <a:p>
-                      <a:pPr algn="ctr" fontAlgn="ctr"/>
-                      <a:r>
-                        <a:rPr lang="pt-BR" sz="1600" u="none" strike="noStrike" dirty="0">
-                          <a:effectLst/>
-                        </a:rPr>
-                        <a:t>Não</a:t>
-                      </a:r>
-                      <a:endParaRPr lang="pt-BR" sz="1600" b="1" i="0" u="none" strike="noStrike" dirty="0">
-                        <a:solidFill>
-                          <a:srgbClr val="C65911"/>
-                        </a:solidFill>
+                      <a:pPr algn="ctr">
+                        <a:lnSpc>
+                          <a:spcPct val="107000"/>
+                        </a:lnSpc>
+                        <a:spcAft>
+                          <a:spcPts val="800"/>
+                        </a:spcAft>
+                      </a:pPr>
+                      <a:r>
+                        <a:rPr lang="pt-BR" sz="1400" b="1" dirty="0" smtClean="0">
+                          <a:solidFill>
+                            <a:srgbClr val="FF0000"/>
+                          </a:solidFill>
+                          <a:effectLst/>
+                          <a:latin typeface="Segoe UI Symbol" panose="020B0502040204020203" pitchFamily="34" charset="0"/>
+                          <a:ea typeface="Calibri" panose="020F0502020204030204" pitchFamily="34" charset="0"/>
+                          <a:cs typeface="Times New Roman" panose="02020603050405020304" pitchFamily="18" charset="0"/>
+                        </a:rPr>
+                        <a:t>✘</a:t>
+                      </a:r>
+                      <a:endParaRPr lang="pt-BR" sz="1400" b="1" dirty="0">
                         <a:effectLst/>
                         <a:latin typeface="Calibri" panose="020F0502020204030204" pitchFamily="34" charset="0"/>
+                        <a:ea typeface="Calibri" panose="020F0502020204030204" pitchFamily="34" charset="0"/>
+                        <a:cs typeface="Times New Roman" panose="02020603050405020304" pitchFamily="18" charset="0"/>
                       </a:endParaRPr>
                     </a:p>
                   </a:txBody>
@@ -6001,19 +6029,31 @@
                     <a:bodyPr/>
                     <a:lstStyle/>
                     <a:p>
-                      <a:pPr algn="ctr" fontAlgn="ctr"/>
-                      <a:r>
-                        <a:rPr lang="pt-BR" sz="1600" u="none" strike="noStrike" dirty="0">
-                          <a:effectLst/>
-                        </a:rPr>
-                        <a:t>Não</a:t>
-                      </a:r>
-                      <a:endParaRPr lang="pt-BR" sz="1600" b="1" i="0" u="none" strike="noStrike" dirty="0">
-                        <a:solidFill>
-                          <a:srgbClr val="C65911"/>
-                        </a:solidFill>
+                      <a:pPr algn="ctr">
+                        <a:lnSpc>
+                          <a:spcPct val="107000"/>
+                        </a:lnSpc>
+                        <a:spcAft>
+                          <a:spcPts val="800"/>
+                        </a:spcAft>
+                      </a:pPr>
+                      <a:r>
+                        <a:rPr lang="pt-BR" sz="1400" b="1" dirty="0" smtClean="0">
+                          <a:solidFill>
+                            <a:srgbClr val="FF0000"/>
+                          </a:solidFill>
+                          <a:effectLst/>
+                          <a:latin typeface="Segoe UI Symbol" panose="020B0502040204020203" pitchFamily="34" charset="0"/>
+                          <a:ea typeface="Calibri" panose="020F0502020204030204" pitchFamily="34" charset="0"/>
+                          <a:cs typeface="Times New Roman" panose="02020603050405020304" pitchFamily="18" charset="0"/>
+                        </a:rPr>
+                        <a:t>✘</a:t>
+                      </a:r>
+                      <a:endParaRPr lang="pt-BR" sz="1400" b="1" dirty="0">
                         <a:effectLst/>
                         <a:latin typeface="Calibri" panose="020F0502020204030204" pitchFamily="34" charset="0"/>
+                        <a:ea typeface="Calibri" panose="020F0502020204030204" pitchFamily="34" charset="0"/>
+                        <a:cs typeface="Times New Roman" panose="02020603050405020304" pitchFamily="18" charset="0"/>
                       </a:endParaRPr>
                     </a:p>
                   </a:txBody>
@@ -6031,19 +6071,27 @@
                     <a:bodyPr/>
                     <a:lstStyle/>
                     <a:p>
-                      <a:pPr algn="ctr" fontAlgn="ctr"/>
-                      <a:r>
-                        <a:rPr lang="pt-BR" sz="1600" u="none" strike="noStrike" dirty="0">
-                          <a:effectLst/>
-                        </a:rPr>
-                        <a:t>X</a:t>
-                      </a:r>
-                      <a:endParaRPr lang="pt-BR" sz="1600" b="1" i="0" u="none" strike="noStrike" dirty="0">
+                      <a:pPr algn="ctr"/>
+                      <a:r>
+                        <a:rPr lang="pt-BR" sz="1400" b="1" kern="1200" dirty="0" smtClean="0">
+                          <a:solidFill>
+                            <a:srgbClr val="00B050"/>
+                          </a:solidFill>
+                          <a:effectLst/>
+                          <a:latin typeface="+mn-lt"/>
+                          <a:ea typeface="+mn-ea"/>
+                          <a:cs typeface="+mn-cs"/>
+                        </a:rPr>
+                        <a:t>✔</a:t>
+                      </a:r>
+                      <a:endParaRPr lang="pt-BR" sz="1400" b="1" kern="1200" dirty="0">
                         <a:solidFill>
-                          <a:srgbClr val="C65911"/>
+                          <a:srgbClr val="00B050"/>
                         </a:solidFill>
                         <a:effectLst/>
-                        <a:latin typeface="Calibri" panose="020F0502020204030204" pitchFamily="34" charset="0"/>
+                        <a:latin typeface="+mn-lt"/>
+                        <a:ea typeface="+mn-ea"/>
+                        <a:cs typeface="+mn-cs"/>
                       </a:endParaRPr>
                     </a:p>
                   </a:txBody>
@@ -6054,19 +6102,27 @@
                     <a:bodyPr/>
                     <a:lstStyle/>
                     <a:p>
-                      <a:pPr algn="ctr" fontAlgn="ctr"/>
-                      <a:r>
-                        <a:rPr lang="pt-BR" sz="1600" u="none" strike="noStrike" dirty="0">
-                          <a:effectLst/>
-                        </a:rPr>
-                        <a:t>X</a:t>
-                      </a:r>
-                      <a:endParaRPr lang="pt-BR" sz="1600" b="1" i="0" u="none" strike="noStrike" dirty="0">
+                      <a:pPr algn="ctr"/>
+                      <a:r>
+                        <a:rPr lang="pt-BR" sz="1400" b="1" kern="1200" smtClean="0">
+                          <a:solidFill>
+                            <a:srgbClr val="00B050"/>
+                          </a:solidFill>
+                          <a:effectLst/>
+                          <a:latin typeface="+mn-lt"/>
+                          <a:ea typeface="+mn-ea"/>
+                          <a:cs typeface="+mn-cs"/>
+                        </a:rPr>
+                        <a:t>✔</a:t>
+                      </a:r>
+                      <a:endParaRPr lang="pt-BR" sz="1400" b="1" kern="1200" dirty="0">
                         <a:solidFill>
-                          <a:srgbClr val="C65911"/>
+                          <a:srgbClr val="00B050"/>
                         </a:solidFill>
                         <a:effectLst/>
-                        <a:latin typeface="Calibri" panose="020F0502020204030204" pitchFamily="34" charset="0"/>
+                        <a:latin typeface="+mn-lt"/>
+                        <a:ea typeface="+mn-ea"/>
+                        <a:cs typeface="+mn-cs"/>
                       </a:endParaRPr>
                     </a:p>
                   </a:txBody>
@@ -6084,19 +6140,27 @@
                     <a:bodyPr/>
                     <a:lstStyle/>
                     <a:p>
-                      <a:pPr algn="ctr" fontAlgn="ctr"/>
-                      <a:r>
-                        <a:rPr lang="pt-BR" sz="1600" u="none" strike="noStrike" dirty="0">
-                          <a:effectLst/>
-                        </a:rPr>
-                        <a:t>X</a:t>
-                      </a:r>
-                      <a:endParaRPr lang="pt-BR" sz="1600" b="1" i="0" u="none" strike="noStrike" dirty="0">
+                      <a:pPr algn="ctr"/>
+                      <a:r>
+                        <a:rPr lang="pt-BR" sz="1400" b="1" kern="1200" smtClean="0">
+                          <a:solidFill>
+                            <a:srgbClr val="00B050"/>
+                          </a:solidFill>
+                          <a:effectLst/>
+                          <a:latin typeface="+mn-lt"/>
+                          <a:ea typeface="+mn-ea"/>
+                          <a:cs typeface="+mn-cs"/>
+                        </a:rPr>
+                        <a:t>✔</a:t>
+                      </a:r>
+                      <a:endParaRPr lang="pt-BR" sz="1400" b="1" kern="1200" dirty="0">
                         <a:solidFill>
-                          <a:srgbClr val="C65911"/>
+                          <a:srgbClr val="00B050"/>
                         </a:solidFill>
                         <a:effectLst/>
-                        <a:latin typeface="Calibri" panose="020F0502020204030204" pitchFamily="34" charset="0"/>
+                        <a:latin typeface="+mn-lt"/>
+                        <a:ea typeface="+mn-ea"/>
+                        <a:cs typeface="+mn-cs"/>
                       </a:endParaRPr>
                     </a:p>
                   </a:txBody>
@@ -6111,11 +6175,11 @@
                 </a:tc>
                 <a:extLst>
                   <a:ext uri="{0D108BD9-81ED-4DB2-BD59-A6C34878D82A}">
-                    <a16:rowId xmlns:a16="http://schemas.microsoft.com/office/drawing/2014/main" xmlns="" val="1666724899"/>
+                    <a16:rowId xmlns="" xmlns:a16="http://schemas.microsoft.com/office/drawing/2014/main" val="1666724899"/>
                   </a:ext>
                 </a:extLst>
               </a:tr>
-              <a:tr h="303319">
+              <a:tr h="294474">
                 <a:tc>
                   <a:txBody>
                     <a:bodyPr/>
@@ -6144,19 +6208,27 @@
                     <a:bodyPr/>
                     <a:lstStyle/>
                     <a:p>
-                      <a:pPr algn="ctr" fontAlgn="ctr"/>
-                      <a:r>
-                        <a:rPr lang="pt-BR" sz="1600" u="none" strike="noStrike" dirty="0">
-                          <a:effectLst/>
-                        </a:rPr>
-                        <a:t>X</a:t>
-                      </a:r>
-                      <a:endParaRPr lang="pt-BR" sz="1600" b="1" i="0" u="none" strike="noStrike" dirty="0">
+                      <a:pPr algn="ctr"/>
+                      <a:r>
+                        <a:rPr lang="pt-BR" sz="1400" b="1" kern="1200" dirty="0" smtClean="0">
+                          <a:solidFill>
+                            <a:srgbClr val="00B050"/>
+                          </a:solidFill>
+                          <a:effectLst/>
+                          <a:latin typeface="+mn-lt"/>
+                          <a:ea typeface="+mn-ea"/>
+                          <a:cs typeface="+mn-cs"/>
+                        </a:rPr>
+                        <a:t>✔</a:t>
+                      </a:r>
+                      <a:endParaRPr lang="pt-BR" sz="1400" b="1" kern="1200" dirty="0">
                         <a:solidFill>
-                          <a:srgbClr val="C65911"/>
+                          <a:srgbClr val="00B050"/>
                         </a:solidFill>
                         <a:effectLst/>
-                        <a:latin typeface="Calibri" panose="020F0502020204030204" pitchFamily="34" charset="0"/>
+                        <a:latin typeface="+mn-lt"/>
+                        <a:ea typeface="+mn-ea"/>
+                        <a:cs typeface="+mn-cs"/>
                       </a:endParaRPr>
                     </a:p>
                   </a:txBody>
@@ -6167,19 +6239,27 @@
                     <a:bodyPr/>
                     <a:lstStyle/>
                     <a:p>
-                      <a:pPr algn="ctr" fontAlgn="ctr"/>
-                      <a:r>
-                        <a:rPr lang="pt-BR" sz="1600" u="none" strike="noStrike" dirty="0">
-                          <a:effectLst/>
-                        </a:rPr>
-                        <a:t>X</a:t>
-                      </a:r>
-                      <a:endParaRPr lang="pt-BR" sz="1600" b="1" i="0" u="none" strike="noStrike" dirty="0">
+                      <a:pPr algn="ctr"/>
+                      <a:r>
+                        <a:rPr lang="pt-BR" sz="1400" b="1" kern="1200" dirty="0" smtClean="0">
+                          <a:solidFill>
+                            <a:srgbClr val="00B050"/>
+                          </a:solidFill>
+                          <a:effectLst/>
+                          <a:latin typeface="+mn-lt"/>
+                          <a:ea typeface="+mn-ea"/>
+                          <a:cs typeface="+mn-cs"/>
+                        </a:rPr>
+                        <a:t>✔</a:t>
+                      </a:r>
+                      <a:endParaRPr lang="pt-BR" sz="1400" b="1" kern="1200" dirty="0">
                         <a:solidFill>
-                          <a:srgbClr val="C65911"/>
+                          <a:srgbClr val="00B050"/>
                         </a:solidFill>
                         <a:effectLst/>
-                        <a:latin typeface="Calibri" panose="020F0502020204030204" pitchFamily="34" charset="0"/>
+                        <a:latin typeface="+mn-lt"/>
+                        <a:ea typeface="+mn-ea"/>
+                        <a:cs typeface="+mn-cs"/>
                       </a:endParaRPr>
                     </a:p>
                   </a:txBody>
@@ -6197,19 +6277,27 @@
                     <a:bodyPr/>
                     <a:lstStyle/>
                     <a:p>
-                      <a:pPr algn="ctr" fontAlgn="ctr"/>
-                      <a:r>
-                        <a:rPr lang="pt-BR" sz="1600" u="none" strike="noStrike" dirty="0">
-                          <a:effectLst/>
-                        </a:rPr>
-                        <a:t>X</a:t>
-                      </a:r>
-                      <a:endParaRPr lang="pt-BR" sz="1600" b="1" i="0" u="none" strike="noStrike" dirty="0">
+                      <a:pPr algn="ctr"/>
+                      <a:r>
+                        <a:rPr lang="pt-BR" sz="1400" b="1" kern="1200" smtClean="0">
+                          <a:solidFill>
+                            <a:srgbClr val="00B050"/>
+                          </a:solidFill>
+                          <a:effectLst/>
+                          <a:latin typeface="+mn-lt"/>
+                          <a:ea typeface="+mn-ea"/>
+                          <a:cs typeface="+mn-cs"/>
+                        </a:rPr>
+                        <a:t>✔</a:t>
+                      </a:r>
+                      <a:endParaRPr lang="pt-BR" sz="1400" b="1" kern="1200" dirty="0">
                         <a:solidFill>
-                          <a:srgbClr val="C65911"/>
+                          <a:srgbClr val="00B050"/>
                         </a:solidFill>
                         <a:effectLst/>
-                        <a:latin typeface="Calibri" panose="020F0502020204030204" pitchFamily="34" charset="0"/>
+                        <a:latin typeface="+mn-lt"/>
+                        <a:ea typeface="+mn-ea"/>
+                        <a:cs typeface="+mn-cs"/>
                       </a:endParaRPr>
                     </a:p>
                   </a:txBody>
@@ -6220,19 +6308,27 @@
                     <a:bodyPr/>
                     <a:lstStyle/>
                     <a:p>
-                      <a:pPr algn="ctr" fontAlgn="ctr"/>
-                      <a:r>
-                        <a:rPr lang="pt-BR" sz="1600" u="none" strike="noStrike" dirty="0">
-                          <a:effectLst/>
-                        </a:rPr>
-                        <a:t>X</a:t>
-                      </a:r>
-                      <a:endParaRPr lang="pt-BR" sz="1600" b="1" i="0" u="none" strike="noStrike" dirty="0">
+                      <a:pPr algn="ctr"/>
+                      <a:r>
+                        <a:rPr lang="pt-BR" sz="1400" b="1" kern="1200" smtClean="0">
+                          <a:solidFill>
+                            <a:srgbClr val="00B050"/>
+                          </a:solidFill>
+                          <a:effectLst/>
+                          <a:latin typeface="+mn-lt"/>
+                          <a:ea typeface="+mn-ea"/>
+                          <a:cs typeface="+mn-cs"/>
+                        </a:rPr>
+                        <a:t>✔</a:t>
+                      </a:r>
+                      <a:endParaRPr lang="pt-BR" sz="1400" b="1" kern="1200" dirty="0">
                         <a:solidFill>
-                          <a:srgbClr val="C65911"/>
+                          <a:srgbClr val="00B050"/>
                         </a:solidFill>
                         <a:effectLst/>
-                        <a:latin typeface="Calibri" panose="020F0502020204030204" pitchFamily="34" charset="0"/>
+                        <a:latin typeface="+mn-lt"/>
+                        <a:ea typeface="+mn-ea"/>
+                        <a:cs typeface="+mn-cs"/>
                       </a:endParaRPr>
                     </a:p>
                   </a:txBody>
@@ -6250,19 +6346,27 @@
                     <a:bodyPr/>
                     <a:lstStyle/>
                     <a:p>
-                      <a:pPr algn="ctr" fontAlgn="ctr"/>
-                      <a:r>
-                        <a:rPr lang="pt-BR" sz="1600" u="none" strike="noStrike" dirty="0">
-                          <a:effectLst/>
-                        </a:rPr>
-                        <a:t>X</a:t>
-                      </a:r>
-                      <a:endParaRPr lang="pt-BR" sz="1600" b="1" i="0" u="none" strike="noStrike" dirty="0">
+                      <a:pPr algn="ctr"/>
+                      <a:r>
+                        <a:rPr lang="pt-BR" sz="1400" b="1" kern="1200" dirty="0" smtClean="0">
+                          <a:solidFill>
+                            <a:srgbClr val="00B050"/>
+                          </a:solidFill>
+                          <a:effectLst/>
+                          <a:latin typeface="+mn-lt"/>
+                          <a:ea typeface="+mn-ea"/>
+                          <a:cs typeface="+mn-cs"/>
+                        </a:rPr>
+                        <a:t>✔</a:t>
+                      </a:r>
+                      <a:endParaRPr lang="pt-BR" sz="1400" b="1" kern="1200" dirty="0">
                         <a:solidFill>
-                          <a:srgbClr val="C65911"/>
+                          <a:srgbClr val="00B050"/>
                         </a:solidFill>
                         <a:effectLst/>
-                        <a:latin typeface="Calibri" panose="020F0502020204030204" pitchFamily="34" charset="0"/>
+                        <a:latin typeface="+mn-lt"/>
+                        <a:ea typeface="+mn-ea"/>
+                        <a:cs typeface="+mn-cs"/>
                       </a:endParaRPr>
                     </a:p>
                   </a:txBody>
@@ -6273,19 +6377,27 @@
                     <a:bodyPr/>
                     <a:lstStyle/>
                     <a:p>
-                      <a:pPr algn="ctr" fontAlgn="ctr"/>
-                      <a:r>
-                        <a:rPr lang="pt-BR" sz="1600" u="none" strike="noStrike" dirty="0">
-                          <a:effectLst/>
-                        </a:rPr>
-                        <a:t>X</a:t>
-                      </a:r>
-                      <a:endParaRPr lang="pt-BR" sz="1600" b="1" i="0" u="none" strike="noStrike" dirty="0">
+                      <a:pPr algn="ctr"/>
+                      <a:r>
+                        <a:rPr lang="pt-BR" sz="1400" b="1" kern="1200" dirty="0" smtClean="0">
+                          <a:solidFill>
+                            <a:srgbClr val="00B050"/>
+                          </a:solidFill>
+                          <a:effectLst/>
+                          <a:latin typeface="+mn-lt"/>
+                          <a:ea typeface="+mn-ea"/>
+                          <a:cs typeface="+mn-cs"/>
+                        </a:rPr>
+                        <a:t>✔</a:t>
+                      </a:r>
+                      <a:endParaRPr lang="pt-BR" sz="1400" b="1" kern="1200" dirty="0">
                         <a:solidFill>
-                          <a:srgbClr val="C65911"/>
+                          <a:srgbClr val="00B050"/>
                         </a:solidFill>
                         <a:effectLst/>
-                        <a:latin typeface="Calibri" panose="020F0502020204030204" pitchFamily="34" charset="0"/>
+                        <a:latin typeface="+mn-lt"/>
+                        <a:ea typeface="+mn-ea"/>
+                        <a:cs typeface="+mn-cs"/>
                       </a:endParaRPr>
                     </a:p>
                   </a:txBody>
@@ -6303,19 +6415,27 @@
                     <a:bodyPr/>
                     <a:lstStyle/>
                     <a:p>
-                      <a:pPr algn="ctr" fontAlgn="ctr"/>
-                      <a:r>
-                        <a:rPr lang="pt-BR" sz="1600" u="none" strike="noStrike" dirty="0">
-                          <a:effectLst/>
-                        </a:rPr>
-                        <a:t>X</a:t>
-                      </a:r>
-                      <a:endParaRPr lang="pt-BR" sz="1600" b="1" i="0" u="none" strike="noStrike" dirty="0">
+                      <a:pPr algn="ctr"/>
+                      <a:r>
+                        <a:rPr lang="pt-BR" sz="1400" b="1" kern="1200" dirty="0" smtClean="0">
+                          <a:solidFill>
+                            <a:srgbClr val="00B050"/>
+                          </a:solidFill>
+                          <a:effectLst/>
+                          <a:latin typeface="+mn-lt"/>
+                          <a:ea typeface="+mn-ea"/>
+                          <a:cs typeface="+mn-cs"/>
+                        </a:rPr>
+                        <a:t>✔</a:t>
+                      </a:r>
+                      <a:endParaRPr lang="pt-BR" sz="1400" b="1" kern="1200" dirty="0">
                         <a:solidFill>
-                          <a:srgbClr val="C65911"/>
+                          <a:srgbClr val="00B050"/>
                         </a:solidFill>
                         <a:effectLst/>
-                        <a:latin typeface="Calibri" panose="020F0502020204030204" pitchFamily="34" charset="0"/>
+                        <a:latin typeface="+mn-lt"/>
+                        <a:ea typeface="+mn-ea"/>
+                        <a:cs typeface="+mn-cs"/>
                       </a:endParaRPr>
                     </a:p>
                   </a:txBody>
@@ -6330,11 +6450,11 @@
                 </a:tc>
                 <a:extLst>
                   <a:ext uri="{0D108BD9-81ED-4DB2-BD59-A6C34878D82A}">
-                    <a16:rowId xmlns:a16="http://schemas.microsoft.com/office/drawing/2014/main" xmlns="" val="3904080030"/>
+                    <a16:rowId xmlns="" xmlns:a16="http://schemas.microsoft.com/office/drawing/2014/main" val="3904080030"/>
                   </a:ext>
                 </a:extLst>
               </a:tr>
-              <a:tr h="303319">
+              <a:tr h="302076">
                 <a:tc>
                   <a:txBody>
                     <a:bodyPr/>
@@ -6363,14 +6483,39 @@
                     <a:bodyPr/>
                     <a:lstStyle/>
                     <a:p>
+                      <a:pPr marL="0" marR="0" lvl="0" indent="0" algn="ctr" defTabSz="914400" rtl="0" eaLnBrk="1" fontAlgn="ctr" latinLnBrk="0" hangingPunct="1">
+                        <a:lnSpc>
+                          <a:spcPct val="100000"/>
+                        </a:lnSpc>
+                        <a:spcBef>
+                          <a:spcPts val="0"/>
+                        </a:spcBef>
+                        <a:spcAft>
+                          <a:spcPts val="0"/>
+                        </a:spcAft>
+                        <a:buClrTx/>
+                        <a:buSzTx/>
+                        <a:buFontTx/>
+                        <a:buNone/>
+                        <a:tabLst/>
+                        <a:defRPr/>
+                      </a:pPr>
+                      <a:r>
+                        <a:rPr lang="pt-BR" sz="1400" b="1" kern="1200" dirty="0" smtClean="0">
+                          <a:solidFill>
+                            <a:srgbClr val="00B050"/>
+                          </a:solidFill>
+                          <a:effectLst/>
+                          <a:latin typeface="+mn-lt"/>
+                          <a:ea typeface="+mn-ea"/>
+                          <a:cs typeface="+mn-cs"/>
+                        </a:rPr>
+                        <a:t>✔</a:t>
+                      </a:r>
+                    </a:p>
+                    <a:p>
                       <a:pPr algn="ctr" fontAlgn="ctr"/>
-                      <a:r>
-                        <a:rPr lang="pt-BR" sz="1600" u="none" strike="noStrike" dirty="0">
-                          <a:effectLst/>
-                        </a:rPr>
-                        <a:t>X</a:t>
-                      </a:r>
-                      <a:endParaRPr lang="pt-BR" sz="1600" b="1" i="0" u="none" strike="noStrike" dirty="0">
+                      <a:endParaRPr lang="pt-BR" sz="1400" b="1" i="0" u="none" strike="noStrike" dirty="0">
                         <a:solidFill>
                           <a:srgbClr val="C65911"/>
                         </a:solidFill>
@@ -6386,19 +6531,31 @@
                     <a:bodyPr/>
                     <a:lstStyle/>
                     <a:p>
-                      <a:pPr algn="ctr" fontAlgn="ctr"/>
-                      <a:r>
-                        <a:rPr lang="pt-BR" sz="1600" u="none" strike="noStrike" dirty="0">
-                          <a:effectLst/>
-                        </a:rPr>
-                        <a:t>Não</a:t>
-                      </a:r>
-                      <a:endParaRPr lang="pt-BR" sz="1600" b="1" i="0" u="none" strike="noStrike" dirty="0">
-                        <a:solidFill>
-                          <a:srgbClr val="C65911"/>
-                        </a:solidFill>
+                      <a:pPr algn="ctr">
+                        <a:lnSpc>
+                          <a:spcPct val="107000"/>
+                        </a:lnSpc>
+                        <a:spcAft>
+                          <a:spcPts val="800"/>
+                        </a:spcAft>
+                      </a:pPr>
+                      <a:r>
+                        <a:rPr lang="pt-BR" sz="1400" b="1" dirty="0" smtClean="0">
+                          <a:solidFill>
+                            <a:srgbClr val="FF0000"/>
+                          </a:solidFill>
+                          <a:effectLst/>
+                          <a:latin typeface="Segoe UI Symbol" panose="020B0502040204020203" pitchFamily="34" charset="0"/>
+                          <a:ea typeface="Calibri" panose="020F0502020204030204" pitchFamily="34" charset="0"/>
+                          <a:cs typeface="Times New Roman" panose="02020603050405020304" pitchFamily="18" charset="0"/>
+                        </a:rPr>
+                        <a:t>✘</a:t>
+                      </a:r>
+                      <a:endParaRPr lang="pt-BR" sz="1400" b="1" dirty="0">
                         <a:effectLst/>
                         <a:latin typeface="Calibri" panose="020F0502020204030204" pitchFamily="34" charset="0"/>
+                        <a:ea typeface="Calibri" panose="020F0502020204030204" pitchFamily="34" charset="0"/>
+                        <a:cs typeface="Times New Roman" panose="02020603050405020304" pitchFamily="18" charset="0"/>
                       </a:endParaRPr>
                     </a:p>
                   </a:txBody>
@@ -6416,19 +6573,27 @@
                     <a:bodyPr/>
                     <a:lstStyle/>
                     <a:p>
-                      <a:pPr algn="ctr" fontAlgn="ctr"/>
-                      <a:r>
-                        <a:rPr lang="pt-BR" sz="1600" u="none" strike="noStrike" dirty="0">
-                          <a:effectLst/>
-                        </a:rPr>
-                        <a:t>X</a:t>
-                      </a:r>
-                      <a:endParaRPr lang="pt-BR" sz="1600" b="1" i="0" u="none" strike="noStrike" dirty="0">
+                      <a:pPr algn="ctr"/>
+                      <a:r>
+                        <a:rPr lang="pt-BR" sz="1400" b="1" kern="1200" smtClean="0">
+                          <a:solidFill>
+                            <a:srgbClr val="00B050"/>
+                          </a:solidFill>
+                          <a:effectLst/>
+                          <a:latin typeface="+mn-lt"/>
+                          <a:ea typeface="+mn-ea"/>
+                          <a:cs typeface="+mn-cs"/>
+                        </a:rPr>
+                        <a:t>✔</a:t>
+                      </a:r>
+                      <a:endParaRPr lang="pt-BR" sz="1400" b="1" kern="1200" dirty="0">
                         <a:solidFill>
-                          <a:srgbClr val="C65911"/>
+                          <a:srgbClr val="00B050"/>
                         </a:solidFill>
                         <a:effectLst/>
-                        <a:latin typeface="Calibri" panose="020F0502020204030204" pitchFamily="34" charset="0"/>
+                        <a:latin typeface="+mn-lt"/>
+                        <a:ea typeface="+mn-ea"/>
+                        <a:cs typeface="+mn-cs"/>
                       </a:endParaRPr>
                     </a:p>
                   </a:txBody>
@@ -6439,19 +6604,27 @@
                     <a:bodyPr/>
                     <a:lstStyle/>
                     <a:p>
-                      <a:pPr algn="ctr" fontAlgn="ctr"/>
-                      <a:r>
-                        <a:rPr lang="pt-BR" sz="1600" u="none" strike="noStrike" dirty="0">
-                          <a:effectLst/>
-                        </a:rPr>
-                        <a:t>X</a:t>
-                      </a:r>
-                      <a:endParaRPr lang="pt-BR" sz="1600" b="1" i="0" u="none" strike="noStrike" dirty="0">
+                      <a:pPr algn="ctr"/>
+                      <a:r>
+                        <a:rPr lang="pt-BR" sz="1400" b="1" kern="1200" smtClean="0">
+                          <a:solidFill>
+                            <a:srgbClr val="00B050"/>
+                          </a:solidFill>
+                          <a:effectLst/>
+                          <a:latin typeface="+mn-lt"/>
+                          <a:ea typeface="+mn-ea"/>
+                          <a:cs typeface="+mn-cs"/>
+                        </a:rPr>
+                        <a:t>✔</a:t>
+                      </a:r>
+                      <a:endParaRPr lang="pt-BR" sz="1400" b="1" kern="1200" dirty="0">
                         <a:solidFill>
-                          <a:srgbClr val="C65911"/>
+                          <a:srgbClr val="00B050"/>
                         </a:solidFill>
                         <a:effectLst/>
-                        <a:latin typeface="Calibri" panose="020F0502020204030204" pitchFamily="34" charset="0"/>
+                        <a:latin typeface="+mn-lt"/>
+                        <a:ea typeface="+mn-ea"/>
+                        <a:cs typeface="+mn-cs"/>
                       </a:endParaRPr>
                     </a:p>
                   </a:txBody>
@@ -6469,19 +6642,27 @@
                     <a:bodyPr/>
                     <a:lstStyle/>
                     <a:p>
-                      <a:pPr algn="ctr" fontAlgn="ctr"/>
-                      <a:r>
-                        <a:rPr lang="pt-BR" sz="1600" u="none" strike="noStrike" dirty="0">
-                          <a:effectLst/>
-                        </a:rPr>
-                        <a:t>X</a:t>
-                      </a:r>
-                      <a:endParaRPr lang="pt-BR" sz="1600" b="1" i="0" u="none" strike="noStrike" dirty="0">
+                      <a:pPr algn="ctr"/>
+                      <a:r>
+                        <a:rPr lang="pt-BR" sz="1400" b="1" kern="1200" dirty="0" smtClean="0">
+                          <a:solidFill>
+                            <a:srgbClr val="00B050"/>
+                          </a:solidFill>
+                          <a:effectLst/>
+                          <a:latin typeface="+mn-lt"/>
+                          <a:ea typeface="+mn-ea"/>
+                          <a:cs typeface="+mn-cs"/>
+                        </a:rPr>
+                        <a:t>✔</a:t>
+                      </a:r>
+                      <a:endParaRPr lang="pt-BR" sz="1400" b="1" kern="1200" dirty="0">
                         <a:solidFill>
-                          <a:srgbClr val="C65911"/>
+                          <a:srgbClr val="00B050"/>
                         </a:solidFill>
                         <a:effectLst/>
-                        <a:latin typeface="Calibri" panose="020F0502020204030204" pitchFamily="34" charset="0"/>
+                        <a:latin typeface="+mn-lt"/>
+                        <a:ea typeface="+mn-ea"/>
+                        <a:cs typeface="+mn-cs"/>
                       </a:endParaRPr>
                     </a:p>
                   </a:txBody>
@@ -6492,19 +6673,27 @@
                     <a:bodyPr/>
                     <a:lstStyle/>
                     <a:p>
-                      <a:pPr algn="ctr" fontAlgn="ctr"/>
-                      <a:r>
-                        <a:rPr lang="pt-BR" sz="1600" u="none" strike="noStrike" dirty="0">
-                          <a:effectLst/>
-                        </a:rPr>
-                        <a:t>X</a:t>
-                      </a:r>
-                      <a:endParaRPr lang="pt-BR" sz="1600" b="1" i="0" u="none" strike="noStrike" dirty="0">
+                      <a:pPr algn="ctr"/>
+                      <a:r>
+                        <a:rPr lang="pt-BR" sz="1400" b="1" kern="1200" dirty="0" smtClean="0">
+                          <a:solidFill>
+                            <a:srgbClr val="00B050"/>
+                          </a:solidFill>
+                          <a:effectLst/>
+                          <a:latin typeface="+mn-lt"/>
+                          <a:ea typeface="+mn-ea"/>
+                          <a:cs typeface="+mn-cs"/>
+                        </a:rPr>
+                        <a:t>✔</a:t>
+                      </a:r>
+                      <a:endParaRPr lang="pt-BR" sz="1400" b="1" kern="1200" dirty="0">
                         <a:solidFill>
-                          <a:srgbClr val="C65911"/>
+                          <a:srgbClr val="00B050"/>
                         </a:solidFill>
                         <a:effectLst/>
-                        <a:latin typeface="Calibri" panose="020F0502020204030204" pitchFamily="34" charset="0"/>
+                        <a:latin typeface="+mn-lt"/>
+                        <a:ea typeface="+mn-ea"/>
+                        <a:cs typeface="+mn-cs"/>
                       </a:endParaRPr>
                     </a:p>
                   </a:txBody>
@@ -6522,19 +6711,27 @@
                     <a:bodyPr/>
                     <a:lstStyle/>
                     <a:p>
-                      <a:pPr algn="ctr" fontAlgn="ctr"/>
-                      <a:r>
-                        <a:rPr lang="pt-BR" sz="1600" u="none" strike="noStrike" dirty="0">
-                          <a:effectLst/>
-                        </a:rPr>
-                        <a:t>X</a:t>
-                      </a:r>
-                      <a:endParaRPr lang="pt-BR" sz="1600" b="1" i="0" u="none" strike="noStrike" dirty="0">
+                      <a:pPr algn="ctr"/>
+                      <a:r>
+                        <a:rPr lang="pt-BR" sz="1400" b="1" kern="1200" dirty="0" smtClean="0">
+                          <a:solidFill>
+                            <a:srgbClr val="00B050"/>
+                          </a:solidFill>
+                          <a:effectLst/>
+                          <a:latin typeface="+mn-lt"/>
+                          <a:ea typeface="+mn-ea"/>
+                          <a:cs typeface="+mn-cs"/>
+                        </a:rPr>
+                        <a:t>✔</a:t>
+                      </a:r>
+                      <a:endParaRPr lang="pt-BR" sz="1400" b="1" kern="1200" dirty="0">
                         <a:solidFill>
-                          <a:srgbClr val="C65911"/>
+                          <a:srgbClr val="00B050"/>
                         </a:solidFill>
                         <a:effectLst/>
-                        <a:latin typeface="Calibri" panose="020F0502020204030204" pitchFamily="34" charset="0"/>
+                        <a:latin typeface="+mn-lt"/>
+                        <a:ea typeface="+mn-ea"/>
+                        <a:cs typeface="+mn-cs"/>
                       </a:endParaRPr>
                     </a:p>
                   </a:txBody>
@@ -6549,11 +6746,11 @@
                 </a:tc>
                 <a:extLst>
                   <a:ext uri="{0D108BD9-81ED-4DB2-BD59-A6C34878D82A}">
-                    <a16:rowId xmlns:a16="http://schemas.microsoft.com/office/drawing/2014/main" xmlns="" val="2384572215"/>
+                    <a16:rowId xmlns="" xmlns:a16="http://schemas.microsoft.com/office/drawing/2014/main" val="2384572215"/>
                   </a:ext>
                 </a:extLst>
               </a:tr>
-              <a:tr h="303319">
+              <a:tr h="294474">
                 <a:tc>
                   <a:txBody>
                     <a:bodyPr/>
@@ -6582,42 +6779,62 @@
                     <a:bodyPr/>
                     <a:lstStyle/>
                     <a:p>
-                      <a:pPr algn="ctr" fontAlgn="ctr"/>
-                      <a:r>
-                        <a:rPr lang="pt-BR" sz="1600" u="none" strike="noStrike" dirty="0">
-                          <a:effectLst/>
-                        </a:rPr>
-                        <a:t>X</a:t>
-                      </a:r>
-                      <a:endParaRPr lang="pt-BR" sz="1600" b="1" i="0" u="none" strike="noStrike" dirty="0">
+                      <a:pPr algn="ctr"/>
+                      <a:r>
+                        <a:rPr lang="pt-BR" sz="1400" b="1" kern="1200" dirty="0" smtClean="0">
+                          <a:solidFill>
+                            <a:srgbClr val="00B050"/>
+                          </a:solidFill>
+                          <a:effectLst/>
+                          <a:latin typeface="+mn-lt"/>
+                          <a:ea typeface="+mn-ea"/>
+                          <a:cs typeface="+mn-cs"/>
+                        </a:rPr>
+                        <a:t>✔</a:t>
+                      </a:r>
+                      <a:endParaRPr lang="pt-BR" sz="1400" b="1" kern="1200" dirty="0">
                         <a:solidFill>
-                          <a:srgbClr val="C65911"/>
+                          <a:srgbClr val="00B050"/>
                         </a:solidFill>
                         <a:effectLst/>
+                        <a:latin typeface="+mn-lt"/>
+                        <a:ea typeface="+mn-ea"/>
+                        <a:cs typeface="+mn-cs"/>
+                      </a:endParaRPr>
+                    </a:p>
+                  </a:txBody>
+                  <a:tcPr marL="6350" marR="6350" marT="6350" marB="0" anchor="ctr"/>
+                </a:tc>
+                <a:tc>
+                  <a:txBody>
+                    <a:bodyPr/>
+                    <a:lstStyle/>
+                    <a:p>
+                      <a:pPr algn="ctr">
+                        <a:lnSpc>
+                          <a:spcPct val="107000"/>
+                        </a:lnSpc>
+                        <a:spcAft>
+                          <a:spcPts val="800"/>
+                        </a:spcAft>
+                      </a:pPr>
+                      <a:r>
+                        <a:rPr lang="pt-BR" sz="1400" b="1" dirty="0" smtClean="0">
+                          <a:solidFill>
+                            <a:srgbClr val="FF0000"/>
+                          </a:solidFill>
+                          <a:effectLst/>
+                          <a:latin typeface="Segoe UI Symbol" panose="020B0502040204020203" pitchFamily="34" charset="0"/>
+                          <a:ea typeface="Calibri" panose="020F0502020204030204" pitchFamily="34" charset="0"/>
+                          <a:cs typeface="Times New Roman" panose="02020603050405020304" pitchFamily="18" charset="0"/>
+                        </a:rPr>
+                        <a:t>✘</a:t>
+                      </a:r>
+                      <a:endParaRPr lang="pt-BR" sz="1400" b="1" dirty="0">
+                        <a:effectLst/>
                         <a:latin typeface="Calibri" panose="020F0502020204030204" pitchFamily="34" charset="0"/>
-                      </a:endParaRPr>
-                    </a:p>
-                  </a:txBody>
-                  <a:tcPr marL="6350" marR="6350" marT="6350" marB="0" anchor="ctr"/>
-                </a:tc>
-                <a:tc>
-                  <a:txBody>
-                    <a:bodyPr/>
-                    <a:lstStyle/>
-                    <a:p>
-                      <a:pPr algn="ctr" fontAlgn="ctr"/>
-                      <a:r>
-                        <a:rPr lang="pt-BR" sz="1600" u="none" strike="noStrike" dirty="0">
-                          <a:effectLst/>
-                        </a:rPr>
-                        <a:t>Não</a:t>
-                      </a:r>
-                      <a:endParaRPr lang="pt-BR" sz="1600" b="1" i="0" u="none" strike="noStrike" dirty="0">
-                        <a:solidFill>
-                          <a:srgbClr val="C65911"/>
-                        </a:solidFill>
-                        <a:effectLst/>
-                        <a:latin typeface="Calibri" panose="020F0502020204030204" pitchFamily="34" charset="0"/>
+                        <a:ea typeface="Calibri" panose="020F0502020204030204" pitchFamily="34" charset="0"/>
+                        <a:cs typeface="Times New Roman" panose="02020603050405020304" pitchFamily="18" charset="0"/>
                       </a:endParaRPr>
                     </a:p>
                   </a:txBody>
@@ -6635,19 +6852,27 @@
                     <a:bodyPr/>
                     <a:lstStyle/>
                     <a:p>
-                      <a:pPr algn="ctr" fontAlgn="ctr"/>
-                      <a:r>
-                        <a:rPr lang="pt-BR" sz="1600" u="none" strike="noStrike" dirty="0">
-                          <a:effectLst/>
-                        </a:rPr>
-                        <a:t>X</a:t>
-                      </a:r>
-                      <a:endParaRPr lang="pt-BR" sz="1600" b="1" i="0" u="none" strike="noStrike" dirty="0">
+                      <a:pPr algn="ctr"/>
+                      <a:r>
+                        <a:rPr lang="pt-BR" sz="1400" b="1" kern="1200" smtClean="0">
+                          <a:solidFill>
+                            <a:srgbClr val="00B050"/>
+                          </a:solidFill>
+                          <a:effectLst/>
+                          <a:latin typeface="+mn-lt"/>
+                          <a:ea typeface="+mn-ea"/>
+                          <a:cs typeface="+mn-cs"/>
+                        </a:rPr>
+                        <a:t>✔</a:t>
+                      </a:r>
+                      <a:endParaRPr lang="pt-BR" sz="1400" b="1" kern="1200" dirty="0">
                         <a:solidFill>
-                          <a:srgbClr val="C65911"/>
+                          <a:srgbClr val="00B050"/>
                         </a:solidFill>
                         <a:effectLst/>
-                        <a:latin typeface="Calibri" panose="020F0502020204030204" pitchFamily="34" charset="0"/>
+                        <a:latin typeface="+mn-lt"/>
+                        <a:ea typeface="+mn-ea"/>
+                        <a:cs typeface="+mn-cs"/>
                       </a:endParaRPr>
                     </a:p>
                   </a:txBody>
@@ -6658,19 +6883,27 @@
                     <a:bodyPr/>
                     <a:lstStyle/>
                     <a:p>
-                      <a:pPr algn="ctr" fontAlgn="ctr"/>
-                      <a:r>
-                        <a:rPr lang="pt-BR" sz="1600" u="none" strike="noStrike" dirty="0">
-                          <a:effectLst/>
-                        </a:rPr>
-                        <a:t>X</a:t>
-                      </a:r>
-                      <a:endParaRPr lang="pt-BR" sz="1600" b="1" i="0" u="none" strike="noStrike" dirty="0">
+                      <a:pPr algn="ctr"/>
+                      <a:r>
+                        <a:rPr lang="pt-BR" sz="1400" b="1" kern="1200" smtClean="0">
+                          <a:solidFill>
+                            <a:srgbClr val="00B050"/>
+                          </a:solidFill>
+                          <a:effectLst/>
+                          <a:latin typeface="+mn-lt"/>
+                          <a:ea typeface="+mn-ea"/>
+                          <a:cs typeface="+mn-cs"/>
+                        </a:rPr>
+                        <a:t>✔</a:t>
+                      </a:r>
+                      <a:endParaRPr lang="pt-BR" sz="1400" b="1" kern="1200" dirty="0">
                         <a:solidFill>
-                          <a:srgbClr val="C65911"/>
+                          <a:srgbClr val="00B050"/>
                         </a:solidFill>
                         <a:effectLst/>
-                        <a:latin typeface="Calibri" panose="020F0502020204030204" pitchFamily="34" charset="0"/>
+                        <a:latin typeface="+mn-lt"/>
+                        <a:ea typeface="+mn-ea"/>
+                        <a:cs typeface="+mn-cs"/>
                       </a:endParaRPr>
                     </a:p>
                   </a:txBody>
@@ -6688,19 +6921,27 @@
                     <a:bodyPr/>
                     <a:lstStyle/>
                     <a:p>
-                      <a:pPr algn="ctr" fontAlgn="ctr"/>
-                      <a:r>
-                        <a:rPr lang="pt-BR" sz="1600" u="none" strike="noStrike" dirty="0">
-                          <a:effectLst/>
-                        </a:rPr>
-                        <a:t>X</a:t>
-                      </a:r>
-                      <a:endParaRPr lang="pt-BR" sz="1600" b="1" i="0" u="none" strike="noStrike" dirty="0">
+                      <a:pPr algn="ctr"/>
+                      <a:r>
+                        <a:rPr lang="pt-BR" sz="1400" b="1" kern="1200" smtClean="0">
+                          <a:solidFill>
+                            <a:srgbClr val="00B050"/>
+                          </a:solidFill>
+                          <a:effectLst/>
+                          <a:latin typeface="+mn-lt"/>
+                          <a:ea typeface="+mn-ea"/>
+                          <a:cs typeface="+mn-cs"/>
+                        </a:rPr>
+                        <a:t>✔</a:t>
+                      </a:r>
+                      <a:endParaRPr lang="pt-BR" sz="1400" b="1" kern="1200" dirty="0">
                         <a:solidFill>
-                          <a:srgbClr val="C65911"/>
+                          <a:srgbClr val="00B050"/>
                         </a:solidFill>
                         <a:effectLst/>
-                        <a:latin typeface="Calibri" panose="020F0502020204030204" pitchFamily="34" charset="0"/>
+                        <a:latin typeface="+mn-lt"/>
+                        <a:ea typeface="+mn-ea"/>
+                        <a:cs typeface="+mn-cs"/>
                       </a:endParaRPr>
                     </a:p>
                   </a:txBody>
@@ -6711,19 +6952,27 @@
                     <a:bodyPr/>
                     <a:lstStyle/>
                     <a:p>
-                      <a:pPr algn="ctr" fontAlgn="ctr"/>
-                      <a:r>
-                        <a:rPr lang="pt-BR" sz="1600" u="none" strike="noStrike" dirty="0">
-                          <a:effectLst/>
-                        </a:rPr>
-                        <a:t>X</a:t>
-                      </a:r>
-                      <a:endParaRPr lang="pt-BR" sz="1600" b="1" i="0" u="none" strike="noStrike" dirty="0">
+                      <a:pPr algn="ctr"/>
+                      <a:r>
+                        <a:rPr lang="pt-BR" sz="1400" b="1" kern="1200" dirty="0" smtClean="0">
+                          <a:solidFill>
+                            <a:srgbClr val="00B050"/>
+                          </a:solidFill>
+                          <a:effectLst/>
+                          <a:latin typeface="+mn-lt"/>
+                          <a:ea typeface="+mn-ea"/>
+                          <a:cs typeface="+mn-cs"/>
+                        </a:rPr>
+                        <a:t>✔</a:t>
+                      </a:r>
+                      <a:endParaRPr lang="pt-BR" sz="1400" b="1" kern="1200" dirty="0">
                         <a:solidFill>
-                          <a:srgbClr val="C65911"/>
+                          <a:srgbClr val="00B050"/>
                         </a:solidFill>
                         <a:effectLst/>
-                        <a:latin typeface="Calibri" panose="020F0502020204030204" pitchFamily="34" charset="0"/>
+                        <a:latin typeface="+mn-lt"/>
+                        <a:ea typeface="+mn-ea"/>
+                        <a:cs typeface="+mn-cs"/>
                       </a:endParaRPr>
                     </a:p>
                   </a:txBody>
@@ -6741,19 +6990,27 @@
                     <a:bodyPr/>
                     <a:lstStyle/>
                     <a:p>
-                      <a:pPr algn="ctr" fontAlgn="ctr"/>
-                      <a:r>
-                        <a:rPr lang="pt-BR" sz="1600" u="none" strike="noStrike" dirty="0">
-                          <a:effectLst/>
-                        </a:rPr>
-                        <a:t>X</a:t>
-                      </a:r>
-                      <a:endParaRPr lang="pt-BR" sz="1600" b="1" i="0" u="none" strike="noStrike" dirty="0">
+                      <a:pPr algn="ctr"/>
+                      <a:r>
+                        <a:rPr lang="pt-BR" sz="1400" b="1" kern="1200" dirty="0" smtClean="0">
+                          <a:solidFill>
+                            <a:srgbClr val="00B050"/>
+                          </a:solidFill>
+                          <a:effectLst/>
+                          <a:latin typeface="+mn-lt"/>
+                          <a:ea typeface="+mn-ea"/>
+                          <a:cs typeface="+mn-cs"/>
+                        </a:rPr>
+                        <a:t>✔</a:t>
+                      </a:r>
+                      <a:endParaRPr lang="pt-BR" sz="1400" b="1" kern="1200" dirty="0">
                         <a:solidFill>
-                          <a:srgbClr val="C65911"/>
+                          <a:srgbClr val="00B050"/>
                         </a:solidFill>
                         <a:effectLst/>
-                        <a:latin typeface="Calibri" panose="020F0502020204030204" pitchFamily="34" charset="0"/>
+                        <a:latin typeface="+mn-lt"/>
+                        <a:ea typeface="+mn-ea"/>
+                        <a:cs typeface="+mn-cs"/>
                       </a:endParaRPr>
                     </a:p>
                   </a:txBody>
@@ -6768,11 +7025,11 @@
                 </a:tc>
                 <a:extLst>
                   <a:ext uri="{0D108BD9-81ED-4DB2-BD59-A6C34878D82A}">
-                    <a16:rowId xmlns:a16="http://schemas.microsoft.com/office/drawing/2014/main" xmlns="" val="703493844"/>
+                    <a16:rowId xmlns="" xmlns:a16="http://schemas.microsoft.com/office/drawing/2014/main" val="703493844"/>
                   </a:ext>
                 </a:extLst>
               </a:tr>
-              <a:tr h="303319">
+              <a:tr h="294474">
                 <a:tc>
                   <a:txBody>
                     <a:bodyPr/>
@@ -6801,42 +7058,62 @@
                     <a:bodyPr/>
                     <a:lstStyle/>
                     <a:p>
-                      <a:pPr algn="ctr" fontAlgn="ctr"/>
-                      <a:r>
-                        <a:rPr lang="pt-BR" sz="1600" u="none" strike="noStrike" dirty="0">
-                          <a:effectLst/>
-                        </a:rPr>
-                        <a:t>X</a:t>
-                      </a:r>
-                      <a:endParaRPr lang="pt-BR" sz="1600" b="1" i="0" u="none" strike="noStrike" dirty="0">
+                      <a:pPr algn="ctr"/>
+                      <a:r>
+                        <a:rPr lang="pt-BR" sz="1400" b="1" kern="1200" dirty="0" smtClean="0">
+                          <a:solidFill>
+                            <a:srgbClr val="00B050"/>
+                          </a:solidFill>
+                          <a:effectLst/>
+                          <a:latin typeface="+mn-lt"/>
+                          <a:ea typeface="+mn-ea"/>
+                          <a:cs typeface="+mn-cs"/>
+                        </a:rPr>
+                        <a:t>✔</a:t>
+                      </a:r>
+                      <a:endParaRPr lang="pt-BR" sz="1400" b="1" kern="1200" dirty="0">
                         <a:solidFill>
-                          <a:srgbClr val="C65911"/>
+                          <a:srgbClr val="00B050"/>
                         </a:solidFill>
                         <a:effectLst/>
+                        <a:latin typeface="+mn-lt"/>
+                        <a:ea typeface="+mn-ea"/>
+                        <a:cs typeface="+mn-cs"/>
+                      </a:endParaRPr>
+                    </a:p>
+                  </a:txBody>
+                  <a:tcPr marL="6350" marR="6350" marT="6350" marB="0" anchor="ctr"/>
+                </a:tc>
+                <a:tc>
+                  <a:txBody>
+                    <a:bodyPr/>
+                    <a:lstStyle/>
+                    <a:p>
+                      <a:pPr algn="ctr">
+                        <a:lnSpc>
+                          <a:spcPct val="107000"/>
+                        </a:lnSpc>
+                        <a:spcAft>
+                          <a:spcPts val="800"/>
+                        </a:spcAft>
+                      </a:pPr>
+                      <a:r>
+                        <a:rPr lang="pt-BR" sz="1400" b="1" dirty="0" smtClean="0">
+                          <a:solidFill>
+                            <a:srgbClr val="FF0000"/>
+                          </a:solidFill>
+                          <a:effectLst/>
+                          <a:latin typeface="Segoe UI Symbol" panose="020B0502040204020203" pitchFamily="34" charset="0"/>
+                          <a:ea typeface="Calibri" panose="020F0502020204030204" pitchFamily="34" charset="0"/>
+                          <a:cs typeface="Times New Roman" panose="02020603050405020304" pitchFamily="18" charset="0"/>
+                        </a:rPr>
+                        <a:t>✘</a:t>
+                      </a:r>
+                      <a:endParaRPr lang="pt-BR" sz="1400" b="1" dirty="0">
+                        <a:effectLst/>
                         <a:latin typeface="Calibri" panose="020F0502020204030204" pitchFamily="34" charset="0"/>
-                      </a:endParaRPr>
-                    </a:p>
-                  </a:txBody>
-                  <a:tcPr marL="6350" marR="6350" marT="6350" marB="0" anchor="ctr"/>
-                </a:tc>
-                <a:tc>
-                  <a:txBody>
-                    <a:bodyPr/>
-                    <a:lstStyle/>
-                    <a:p>
-                      <a:pPr algn="ctr" fontAlgn="ctr"/>
-                      <a:r>
-                        <a:rPr lang="pt-BR" sz="1600" u="none" strike="noStrike" dirty="0">
-                          <a:effectLst/>
-                        </a:rPr>
-                        <a:t>Não</a:t>
-                      </a:r>
-                      <a:endParaRPr lang="pt-BR" sz="1600" b="1" i="0" u="none" strike="noStrike" dirty="0">
-                        <a:solidFill>
-                          <a:srgbClr val="C65911"/>
-                        </a:solidFill>
-                        <a:effectLst/>
-                        <a:latin typeface="Calibri" panose="020F0502020204030204" pitchFamily="34" charset="0"/>
+                        <a:ea typeface="Calibri" panose="020F0502020204030204" pitchFamily="34" charset="0"/>
+                        <a:cs typeface="Times New Roman" panose="02020603050405020304" pitchFamily="18" charset="0"/>
                       </a:endParaRPr>
                     </a:p>
                   </a:txBody>
@@ -6854,19 +7131,27 @@
                     <a:bodyPr/>
                     <a:lstStyle/>
                     <a:p>
-                      <a:pPr algn="ctr" fontAlgn="ctr"/>
-                      <a:r>
-                        <a:rPr lang="pt-BR" sz="1600" u="none" strike="noStrike" dirty="0">
-                          <a:effectLst/>
-                        </a:rPr>
-                        <a:t>X</a:t>
-                      </a:r>
-                      <a:endParaRPr lang="pt-BR" sz="1600" b="1" i="0" u="none" strike="noStrike" dirty="0">
+                      <a:pPr algn="ctr"/>
+                      <a:r>
+                        <a:rPr lang="pt-BR" sz="1400" b="1" kern="1200" smtClean="0">
+                          <a:solidFill>
+                            <a:srgbClr val="00B050"/>
+                          </a:solidFill>
+                          <a:effectLst/>
+                          <a:latin typeface="+mn-lt"/>
+                          <a:ea typeface="+mn-ea"/>
+                          <a:cs typeface="+mn-cs"/>
+                        </a:rPr>
+                        <a:t>✔</a:t>
+                      </a:r>
+                      <a:endParaRPr lang="pt-BR" sz="1400" b="1" kern="1200" dirty="0">
                         <a:solidFill>
-                          <a:srgbClr val="C65911"/>
+                          <a:srgbClr val="00B050"/>
                         </a:solidFill>
                         <a:effectLst/>
-                        <a:latin typeface="Calibri" panose="020F0502020204030204" pitchFamily="34" charset="0"/>
+                        <a:latin typeface="+mn-lt"/>
+                        <a:ea typeface="+mn-ea"/>
+                        <a:cs typeface="+mn-cs"/>
                       </a:endParaRPr>
                     </a:p>
                   </a:txBody>
@@ -6877,19 +7162,27 @@
                     <a:bodyPr/>
                     <a:lstStyle/>
                     <a:p>
-                      <a:pPr algn="ctr" fontAlgn="ctr"/>
-                      <a:r>
-                        <a:rPr lang="pt-BR" sz="1600" u="none" strike="noStrike" dirty="0">
-                          <a:effectLst/>
-                        </a:rPr>
-                        <a:t>X</a:t>
-                      </a:r>
-                      <a:endParaRPr lang="pt-BR" sz="1600" b="1" i="0" u="none" strike="noStrike" dirty="0">
+                      <a:pPr algn="ctr"/>
+                      <a:r>
+                        <a:rPr lang="pt-BR" sz="1400" b="1" kern="1200" dirty="0" smtClean="0">
+                          <a:solidFill>
+                            <a:srgbClr val="00B050"/>
+                          </a:solidFill>
+                          <a:effectLst/>
+                          <a:latin typeface="+mn-lt"/>
+                          <a:ea typeface="+mn-ea"/>
+                          <a:cs typeface="+mn-cs"/>
+                        </a:rPr>
+                        <a:t>✔</a:t>
+                      </a:r>
+                      <a:endParaRPr lang="pt-BR" sz="1400" b="1" kern="1200" dirty="0">
                         <a:solidFill>
-                          <a:srgbClr val="C65911"/>
+                          <a:srgbClr val="00B050"/>
                         </a:solidFill>
                         <a:effectLst/>
-                        <a:latin typeface="Calibri" panose="020F0502020204030204" pitchFamily="34" charset="0"/>
+                        <a:latin typeface="+mn-lt"/>
+                        <a:ea typeface="+mn-ea"/>
+                        <a:cs typeface="+mn-cs"/>
                       </a:endParaRPr>
                     </a:p>
                   </a:txBody>
@@ -6907,19 +7200,27 @@
                     <a:bodyPr/>
                     <a:lstStyle/>
                     <a:p>
-                      <a:pPr algn="ctr" fontAlgn="ctr"/>
-                      <a:r>
-                        <a:rPr lang="pt-BR" sz="1600" u="none" strike="noStrike" dirty="0">
-                          <a:effectLst/>
-                        </a:rPr>
-                        <a:t>X</a:t>
-                      </a:r>
-                      <a:endParaRPr lang="pt-BR" sz="1600" b="1" i="0" u="none" strike="noStrike" dirty="0">
+                      <a:pPr algn="ctr"/>
+                      <a:r>
+                        <a:rPr lang="pt-BR" sz="1400" b="1" kern="1200" smtClean="0">
+                          <a:solidFill>
+                            <a:srgbClr val="00B050"/>
+                          </a:solidFill>
+                          <a:effectLst/>
+                          <a:latin typeface="+mn-lt"/>
+                          <a:ea typeface="+mn-ea"/>
+                          <a:cs typeface="+mn-cs"/>
+                        </a:rPr>
+                        <a:t>✔</a:t>
+                      </a:r>
+                      <a:endParaRPr lang="pt-BR" sz="1400" b="1" kern="1200" dirty="0">
                         <a:solidFill>
-                          <a:srgbClr val="C65911"/>
+                          <a:srgbClr val="00B050"/>
                         </a:solidFill>
                         <a:effectLst/>
-                        <a:latin typeface="Calibri" panose="020F0502020204030204" pitchFamily="34" charset="0"/>
+                        <a:latin typeface="+mn-lt"/>
+                        <a:ea typeface="+mn-ea"/>
+                        <a:cs typeface="+mn-cs"/>
                       </a:endParaRPr>
                     </a:p>
                   </a:txBody>
@@ -6930,19 +7231,27 @@
                     <a:bodyPr/>
                     <a:lstStyle/>
                     <a:p>
-                      <a:pPr algn="ctr" fontAlgn="ctr"/>
-                      <a:r>
-                        <a:rPr lang="pt-BR" sz="1600" u="none" strike="noStrike" dirty="0">
-                          <a:effectLst/>
-                        </a:rPr>
-                        <a:t>X</a:t>
-                      </a:r>
-                      <a:endParaRPr lang="pt-BR" sz="1600" b="1" i="0" u="none" strike="noStrike" dirty="0">
+                      <a:pPr algn="ctr"/>
+                      <a:r>
+                        <a:rPr lang="pt-BR" sz="1400" b="1" kern="1200" dirty="0" smtClean="0">
+                          <a:solidFill>
+                            <a:srgbClr val="00B050"/>
+                          </a:solidFill>
+                          <a:effectLst/>
+                          <a:latin typeface="+mn-lt"/>
+                          <a:ea typeface="+mn-ea"/>
+                          <a:cs typeface="+mn-cs"/>
+                        </a:rPr>
+                        <a:t>✔</a:t>
+                      </a:r>
+                      <a:endParaRPr lang="pt-BR" sz="1400" b="1" kern="1200" dirty="0">
                         <a:solidFill>
-                          <a:srgbClr val="C65911"/>
+                          <a:srgbClr val="00B050"/>
                         </a:solidFill>
                         <a:effectLst/>
-                        <a:latin typeface="Calibri" panose="020F0502020204030204" pitchFamily="34" charset="0"/>
+                        <a:latin typeface="+mn-lt"/>
+                        <a:ea typeface="+mn-ea"/>
+                        <a:cs typeface="+mn-cs"/>
                       </a:endParaRPr>
                     </a:p>
                   </a:txBody>
@@ -6960,19 +7269,27 @@
                     <a:bodyPr/>
                     <a:lstStyle/>
                     <a:p>
-                      <a:pPr algn="ctr" fontAlgn="ctr"/>
-                      <a:r>
-                        <a:rPr lang="pt-BR" sz="1600" u="none" strike="noStrike" dirty="0">
-                          <a:effectLst/>
-                        </a:rPr>
-                        <a:t>X</a:t>
-                      </a:r>
-                      <a:endParaRPr lang="pt-BR" sz="1600" b="1" i="0" u="none" strike="noStrike" dirty="0">
+                      <a:pPr algn="ctr"/>
+                      <a:r>
+                        <a:rPr lang="pt-BR" sz="1400" b="1" kern="1200" dirty="0" smtClean="0">
+                          <a:solidFill>
+                            <a:srgbClr val="00B050"/>
+                          </a:solidFill>
+                          <a:effectLst/>
+                          <a:latin typeface="+mn-lt"/>
+                          <a:ea typeface="+mn-ea"/>
+                          <a:cs typeface="+mn-cs"/>
+                        </a:rPr>
+                        <a:t>✔</a:t>
+                      </a:r>
+                      <a:endParaRPr lang="pt-BR" sz="1400" b="1" kern="1200" dirty="0">
                         <a:solidFill>
-                          <a:srgbClr val="C65911"/>
+                          <a:srgbClr val="00B050"/>
                         </a:solidFill>
                         <a:effectLst/>
-                        <a:latin typeface="Calibri" panose="020F0502020204030204" pitchFamily="34" charset="0"/>
+                        <a:latin typeface="+mn-lt"/>
+                        <a:ea typeface="+mn-ea"/>
+                        <a:cs typeface="+mn-cs"/>
                       </a:endParaRPr>
                     </a:p>
                   </a:txBody>
@@ -6987,11 +7304,11 @@
                 </a:tc>
                 <a:extLst>
                   <a:ext uri="{0D108BD9-81ED-4DB2-BD59-A6C34878D82A}">
-                    <a16:rowId xmlns:a16="http://schemas.microsoft.com/office/drawing/2014/main" xmlns="" val="3040954058"/>
+                    <a16:rowId xmlns="" xmlns:a16="http://schemas.microsoft.com/office/drawing/2014/main" val="3040954058"/>
                   </a:ext>
                 </a:extLst>
               </a:tr>
-              <a:tr h="606636">
+              <a:tr h="588946">
                 <a:tc>
                   <a:txBody>
                     <a:bodyPr/>
@@ -7020,42 +7337,62 @@
                     <a:bodyPr/>
                     <a:lstStyle/>
                     <a:p>
-                      <a:pPr algn="ctr" fontAlgn="ctr"/>
-                      <a:r>
-                        <a:rPr lang="pt-BR" sz="1600" u="none" strike="noStrike" dirty="0">
-                          <a:effectLst/>
-                        </a:rPr>
-                        <a:t>X</a:t>
-                      </a:r>
-                      <a:endParaRPr lang="pt-BR" sz="1600" b="1" i="0" u="none" strike="noStrike" dirty="0">
+                      <a:pPr algn="ctr"/>
+                      <a:r>
+                        <a:rPr lang="pt-BR" sz="1400" b="1" kern="1200" dirty="0" smtClean="0">
+                          <a:solidFill>
+                            <a:srgbClr val="00B050"/>
+                          </a:solidFill>
+                          <a:effectLst/>
+                          <a:latin typeface="+mn-lt"/>
+                          <a:ea typeface="+mn-ea"/>
+                          <a:cs typeface="+mn-cs"/>
+                        </a:rPr>
+                        <a:t>✔</a:t>
+                      </a:r>
+                      <a:endParaRPr lang="pt-BR" sz="1400" b="1" kern="1200" dirty="0">
                         <a:solidFill>
-                          <a:srgbClr val="C65911"/>
+                          <a:srgbClr val="00B050"/>
                         </a:solidFill>
                         <a:effectLst/>
+                        <a:latin typeface="+mn-lt"/>
+                        <a:ea typeface="+mn-ea"/>
+                        <a:cs typeface="+mn-cs"/>
+                      </a:endParaRPr>
+                    </a:p>
+                  </a:txBody>
+                  <a:tcPr marL="6350" marR="6350" marT="6350" marB="0" anchor="ctr"/>
+                </a:tc>
+                <a:tc>
+                  <a:txBody>
+                    <a:bodyPr/>
+                    <a:lstStyle/>
+                    <a:p>
+                      <a:pPr algn="ctr">
+                        <a:lnSpc>
+                          <a:spcPct val="107000"/>
+                        </a:lnSpc>
+                        <a:spcAft>
+                          <a:spcPts val="800"/>
+                        </a:spcAft>
+                      </a:pPr>
+                      <a:r>
+                        <a:rPr lang="pt-BR" sz="1400" b="1" dirty="0" smtClean="0">
+                          <a:solidFill>
+                            <a:srgbClr val="FF0000"/>
+                          </a:solidFill>
+                          <a:effectLst/>
+                          <a:latin typeface="Segoe UI Symbol" panose="020B0502040204020203" pitchFamily="34" charset="0"/>
+                          <a:ea typeface="Calibri" panose="020F0502020204030204" pitchFamily="34" charset="0"/>
+                          <a:cs typeface="Times New Roman" panose="02020603050405020304" pitchFamily="18" charset="0"/>
+                        </a:rPr>
+                        <a:t>✘</a:t>
+                      </a:r>
+                      <a:endParaRPr lang="pt-BR" sz="1400" b="1" dirty="0">
+                        <a:effectLst/>
                         <a:latin typeface="Calibri" panose="020F0502020204030204" pitchFamily="34" charset="0"/>
-                      </a:endParaRPr>
-                    </a:p>
-                  </a:txBody>
-                  <a:tcPr marL="6350" marR="6350" marT="6350" marB="0" anchor="ctr"/>
-                </a:tc>
-                <a:tc>
-                  <a:txBody>
-                    <a:bodyPr/>
-                    <a:lstStyle/>
-                    <a:p>
-                      <a:pPr algn="ctr" fontAlgn="ctr"/>
-                      <a:r>
-                        <a:rPr lang="pt-BR" sz="1600" u="none" strike="noStrike" dirty="0">
-                          <a:effectLst/>
-                        </a:rPr>
-                        <a:t>Não</a:t>
-                      </a:r>
-                      <a:endParaRPr lang="pt-BR" sz="1600" b="1" i="0" u="none" strike="noStrike" dirty="0">
-                        <a:solidFill>
-                          <a:srgbClr val="C65911"/>
-                        </a:solidFill>
-                        <a:effectLst/>
-                        <a:latin typeface="Calibri" panose="020F0502020204030204" pitchFamily="34" charset="0"/>
+                        <a:ea typeface="Calibri" panose="020F0502020204030204" pitchFamily="34" charset="0"/>
+                        <a:cs typeface="Times New Roman" panose="02020603050405020304" pitchFamily="18" charset="0"/>
                       </a:endParaRPr>
                     </a:p>
                   </a:txBody>
@@ -7073,42 +7410,62 @@
                     <a:bodyPr/>
                     <a:lstStyle/>
                     <a:p>
-                      <a:pPr algn="ctr" fontAlgn="ctr"/>
-                      <a:r>
-                        <a:rPr lang="pt-BR" sz="1600" u="none" strike="noStrike" dirty="0">
-                          <a:effectLst/>
-                        </a:rPr>
-                        <a:t>X</a:t>
-                      </a:r>
-                      <a:endParaRPr lang="pt-BR" sz="1600" b="1" i="0" u="none" strike="noStrike" dirty="0">
+                      <a:pPr algn="ctr"/>
+                      <a:r>
+                        <a:rPr lang="pt-BR" sz="1400" b="1" kern="1200" smtClean="0">
+                          <a:solidFill>
+                            <a:srgbClr val="00B050"/>
+                          </a:solidFill>
+                          <a:effectLst/>
+                          <a:latin typeface="+mn-lt"/>
+                          <a:ea typeface="+mn-ea"/>
+                          <a:cs typeface="+mn-cs"/>
+                        </a:rPr>
+                        <a:t>✔</a:t>
+                      </a:r>
+                      <a:endParaRPr lang="pt-BR" sz="1400" b="1" kern="1200" dirty="0">
                         <a:solidFill>
-                          <a:srgbClr val="C65911"/>
+                          <a:srgbClr val="00B050"/>
                         </a:solidFill>
                         <a:effectLst/>
+                        <a:latin typeface="+mn-lt"/>
+                        <a:ea typeface="+mn-ea"/>
+                        <a:cs typeface="+mn-cs"/>
+                      </a:endParaRPr>
+                    </a:p>
+                  </a:txBody>
+                  <a:tcPr marL="6350" marR="6350" marT="6350" marB="0" anchor="ctr"/>
+                </a:tc>
+                <a:tc>
+                  <a:txBody>
+                    <a:bodyPr/>
+                    <a:lstStyle/>
+                    <a:p>
+                      <a:pPr algn="ctr">
+                        <a:lnSpc>
+                          <a:spcPct val="107000"/>
+                        </a:lnSpc>
+                        <a:spcAft>
+                          <a:spcPts val="800"/>
+                        </a:spcAft>
+                      </a:pPr>
+                      <a:r>
+                        <a:rPr lang="pt-BR" sz="1400" b="1" dirty="0" smtClean="0">
+                          <a:solidFill>
+                            <a:srgbClr val="FF0000"/>
+                          </a:solidFill>
+                          <a:effectLst/>
+                          <a:latin typeface="Segoe UI Symbol" panose="020B0502040204020203" pitchFamily="34" charset="0"/>
+                          <a:ea typeface="Calibri" panose="020F0502020204030204" pitchFamily="34" charset="0"/>
+                          <a:cs typeface="Times New Roman" panose="02020603050405020304" pitchFamily="18" charset="0"/>
+                        </a:rPr>
+                        <a:t>✘</a:t>
+                      </a:r>
+                      <a:endParaRPr lang="pt-BR" sz="1400" b="1" dirty="0">
+                        <a:effectLst/>
                         <a:latin typeface="Calibri" panose="020F0502020204030204" pitchFamily="34" charset="0"/>
-                      </a:endParaRPr>
-                    </a:p>
-                  </a:txBody>
-                  <a:tcPr marL="6350" marR="6350" marT="6350" marB="0" anchor="ctr"/>
-                </a:tc>
-                <a:tc>
-                  <a:txBody>
-                    <a:bodyPr/>
-                    <a:lstStyle/>
-                    <a:p>
-                      <a:pPr algn="ctr" fontAlgn="ctr"/>
-                      <a:r>
-                        <a:rPr lang="pt-BR" sz="1600" u="none" strike="noStrike" dirty="0">
-                          <a:effectLst/>
-                        </a:rPr>
-                        <a:t>Não</a:t>
-                      </a:r>
-                      <a:endParaRPr lang="pt-BR" sz="1600" b="1" i="0" u="none" strike="noStrike" dirty="0">
-                        <a:solidFill>
-                          <a:srgbClr val="C65911"/>
-                        </a:solidFill>
-                        <a:effectLst/>
-                        <a:latin typeface="Calibri" panose="020F0502020204030204" pitchFamily="34" charset="0"/>
+                        <a:ea typeface="Calibri" panose="020F0502020204030204" pitchFamily="34" charset="0"/>
+                        <a:cs typeface="Times New Roman" panose="02020603050405020304" pitchFamily="18" charset="0"/>
                       </a:endParaRPr>
                     </a:p>
                   </a:txBody>
@@ -7126,42 +7483,62 @@
                     <a:bodyPr/>
                     <a:lstStyle/>
                     <a:p>
-                      <a:pPr algn="ctr" fontAlgn="ctr"/>
-                      <a:r>
-                        <a:rPr lang="pt-BR" sz="1600" u="none" strike="noStrike" dirty="0">
-                          <a:effectLst/>
-                        </a:rPr>
-                        <a:t>X</a:t>
-                      </a:r>
-                      <a:endParaRPr lang="pt-BR" sz="1600" b="1" i="0" u="none" strike="noStrike" dirty="0">
+                      <a:pPr algn="ctr"/>
+                      <a:r>
+                        <a:rPr lang="pt-BR" sz="1400" b="1" kern="1200" smtClean="0">
+                          <a:solidFill>
+                            <a:srgbClr val="00B050"/>
+                          </a:solidFill>
+                          <a:effectLst/>
+                          <a:latin typeface="+mn-lt"/>
+                          <a:ea typeface="+mn-ea"/>
+                          <a:cs typeface="+mn-cs"/>
+                        </a:rPr>
+                        <a:t>✔</a:t>
+                      </a:r>
+                      <a:endParaRPr lang="pt-BR" sz="1400" b="1" kern="1200" dirty="0">
                         <a:solidFill>
-                          <a:srgbClr val="C65911"/>
+                          <a:srgbClr val="00B050"/>
                         </a:solidFill>
                         <a:effectLst/>
+                        <a:latin typeface="+mn-lt"/>
+                        <a:ea typeface="+mn-ea"/>
+                        <a:cs typeface="+mn-cs"/>
+                      </a:endParaRPr>
+                    </a:p>
+                  </a:txBody>
+                  <a:tcPr marL="6350" marR="6350" marT="6350" marB="0" anchor="ctr"/>
+                </a:tc>
+                <a:tc>
+                  <a:txBody>
+                    <a:bodyPr/>
+                    <a:lstStyle/>
+                    <a:p>
+                      <a:pPr algn="ctr">
+                        <a:lnSpc>
+                          <a:spcPct val="107000"/>
+                        </a:lnSpc>
+                        <a:spcAft>
+                          <a:spcPts val="800"/>
+                        </a:spcAft>
+                      </a:pPr>
+                      <a:r>
+                        <a:rPr lang="pt-BR" sz="1400" b="1" dirty="0" smtClean="0">
+                          <a:solidFill>
+                            <a:srgbClr val="FF0000"/>
+                          </a:solidFill>
+                          <a:effectLst/>
+                          <a:latin typeface="Segoe UI Symbol" panose="020B0502040204020203" pitchFamily="34" charset="0"/>
+                          <a:ea typeface="Calibri" panose="020F0502020204030204" pitchFamily="34" charset="0"/>
+                          <a:cs typeface="Times New Roman" panose="02020603050405020304" pitchFamily="18" charset="0"/>
+                        </a:rPr>
+                        <a:t>✘</a:t>
+                      </a:r>
+                      <a:endParaRPr lang="pt-BR" sz="1400" b="1" dirty="0">
+                        <a:effectLst/>
                         <a:latin typeface="Calibri" panose="020F0502020204030204" pitchFamily="34" charset="0"/>
-                      </a:endParaRPr>
-                    </a:p>
-                  </a:txBody>
-                  <a:tcPr marL="6350" marR="6350" marT="6350" marB="0" anchor="ctr"/>
-                </a:tc>
-                <a:tc>
-                  <a:txBody>
-                    <a:bodyPr/>
-                    <a:lstStyle/>
-                    <a:p>
-                      <a:pPr algn="ctr" fontAlgn="ctr"/>
-                      <a:r>
-                        <a:rPr lang="pt-BR" sz="1600" u="none" strike="noStrike" dirty="0">
-                          <a:effectLst/>
-                        </a:rPr>
-                        <a:t>Não</a:t>
-                      </a:r>
-                      <a:endParaRPr lang="pt-BR" sz="1600" b="1" i="0" u="none" strike="noStrike" dirty="0">
-                        <a:solidFill>
-                          <a:srgbClr val="C65911"/>
-                        </a:solidFill>
-                        <a:effectLst/>
-                        <a:latin typeface="Calibri" panose="020F0502020204030204" pitchFamily="34" charset="0"/>
+                        <a:ea typeface="Calibri" panose="020F0502020204030204" pitchFamily="34" charset="0"/>
+                        <a:cs typeface="Times New Roman" panose="02020603050405020304" pitchFamily="18" charset="0"/>
                       </a:endParaRPr>
                     </a:p>
                   </a:txBody>
@@ -7179,19 +7556,27 @@
                     <a:bodyPr/>
                     <a:lstStyle/>
                     <a:p>
-                      <a:pPr algn="ctr" fontAlgn="ctr"/>
-                      <a:r>
-                        <a:rPr lang="pt-BR" sz="1600" u="none" strike="noStrike" dirty="0">
-                          <a:effectLst/>
-                        </a:rPr>
-                        <a:t>X</a:t>
-                      </a:r>
-                      <a:endParaRPr lang="pt-BR" sz="1600" b="1" i="0" u="none" strike="noStrike" dirty="0">
+                      <a:pPr algn="ctr"/>
+                      <a:r>
+                        <a:rPr lang="pt-BR" sz="1400" b="1" kern="1200" dirty="0" smtClean="0">
+                          <a:solidFill>
+                            <a:srgbClr val="00B050"/>
+                          </a:solidFill>
+                          <a:effectLst/>
+                          <a:latin typeface="+mn-lt"/>
+                          <a:ea typeface="+mn-ea"/>
+                          <a:cs typeface="+mn-cs"/>
+                        </a:rPr>
+                        <a:t>✔</a:t>
+                      </a:r>
+                      <a:endParaRPr lang="pt-BR" sz="1400" b="1" kern="1200" dirty="0">
                         <a:solidFill>
-                          <a:srgbClr val="C65911"/>
+                          <a:srgbClr val="00B050"/>
                         </a:solidFill>
                         <a:effectLst/>
-                        <a:latin typeface="Calibri" panose="020F0502020204030204" pitchFamily="34" charset="0"/>
+                        <a:latin typeface="+mn-lt"/>
+                        <a:ea typeface="+mn-ea"/>
+                        <a:cs typeface="+mn-cs"/>
                       </a:endParaRPr>
                     </a:p>
                   </a:txBody>
@@ -7206,11 +7591,11 @@
                 </a:tc>
                 <a:extLst>
                   <a:ext uri="{0D108BD9-81ED-4DB2-BD59-A6C34878D82A}">
-                    <a16:rowId xmlns:a16="http://schemas.microsoft.com/office/drawing/2014/main" xmlns="" val="961403676"/>
+                    <a16:rowId xmlns="" xmlns:a16="http://schemas.microsoft.com/office/drawing/2014/main" val="961403676"/>
                   </a:ext>
                 </a:extLst>
               </a:tr>
-              <a:tr h="303319">
+              <a:tr h="294474">
                 <a:tc>
                   <a:txBody>
                     <a:bodyPr/>
@@ -7239,42 +7624,62 @@
                     <a:bodyPr/>
                     <a:lstStyle/>
                     <a:p>
-                      <a:pPr algn="ctr" fontAlgn="ctr"/>
-                      <a:r>
-                        <a:rPr lang="pt-BR" sz="1600" u="none" strike="noStrike" dirty="0">
-                          <a:effectLst/>
-                        </a:rPr>
-                        <a:t>X</a:t>
-                      </a:r>
-                      <a:endParaRPr lang="pt-BR" sz="1600" b="1" i="0" u="none" strike="noStrike" dirty="0">
+                      <a:pPr algn="ctr"/>
+                      <a:r>
+                        <a:rPr lang="pt-BR" sz="1400" b="1" kern="1200" dirty="0" smtClean="0">
+                          <a:solidFill>
+                            <a:srgbClr val="00B050"/>
+                          </a:solidFill>
+                          <a:effectLst/>
+                          <a:latin typeface="+mn-lt"/>
+                          <a:ea typeface="+mn-ea"/>
+                          <a:cs typeface="+mn-cs"/>
+                        </a:rPr>
+                        <a:t>✔</a:t>
+                      </a:r>
+                      <a:endParaRPr lang="pt-BR" sz="1400" b="1" kern="1200" dirty="0">
                         <a:solidFill>
-                          <a:srgbClr val="C65911"/>
+                          <a:srgbClr val="00B050"/>
                         </a:solidFill>
                         <a:effectLst/>
+                        <a:latin typeface="+mn-lt"/>
+                        <a:ea typeface="+mn-ea"/>
+                        <a:cs typeface="+mn-cs"/>
+                      </a:endParaRPr>
+                    </a:p>
+                  </a:txBody>
+                  <a:tcPr marL="6350" marR="6350" marT="6350" marB="0" anchor="ctr"/>
+                </a:tc>
+                <a:tc>
+                  <a:txBody>
+                    <a:bodyPr/>
+                    <a:lstStyle/>
+                    <a:p>
+                      <a:pPr algn="ctr">
+                        <a:lnSpc>
+                          <a:spcPct val="107000"/>
+                        </a:lnSpc>
+                        <a:spcAft>
+                          <a:spcPts val="800"/>
+                        </a:spcAft>
+                      </a:pPr>
+                      <a:r>
+                        <a:rPr lang="pt-BR" sz="1400" b="1" dirty="0" smtClean="0">
+                          <a:solidFill>
+                            <a:srgbClr val="FF0000"/>
+                          </a:solidFill>
+                          <a:effectLst/>
+                          <a:latin typeface="Segoe UI Symbol" panose="020B0502040204020203" pitchFamily="34" charset="0"/>
+                          <a:ea typeface="Calibri" panose="020F0502020204030204" pitchFamily="34" charset="0"/>
+                          <a:cs typeface="Times New Roman" panose="02020603050405020304" pitchFamily="18" charset="0"/>
+                        </a:rPr>
+                        <a:t>✘</a:t>
+                      </a:r>
+                      <a:endParaRPr lang="pt-BR" sz="1400" b="1" dirty="0">
+                        <a:effectLst/>
                         <a:latin typeface="Calibri" panose="020F0502020204030204" pitchFamily="34" charset="0"/>
-                      </a:endParaRPr>
-                    </a:p>
-                  </a:txBody>
-                  <a:tcPr marL="6350" marR="6350" marT="6350" marB="0" anchor="ctr"/>
-                </a:tc>
-                <a:tc>
-                  <a:txBody>
-                    <a:bodyPr/>
-                    <a:lstStyle/>
-                    <a:p>
-                      <a:pPr algn="ctr" fontAlgn="ctr"/>
-                      <a:r>
-                        <a:rPr lang="pt-BR" sz="1600" u="none" strike="noStrike" dirty="0">
-                          <a:effectLst/>
-                        </a:rPr>
-                        <a:t>Não</a:t>
-                      </a:r>
-                      <a:endParaRPr lang="pt-BR" sz="1600" b="1" i="0" u="none" strike="noStrike" dirty="0">
-                        <a:solidFill>
-                          <a:srgbClr val="C65911"/>
-                        </a:solidFill>
-                        <a:effectLst/>
-                        <a:latin typeface="Calibri" panose="020F0502020204030204" pitchFamily="34" charset="0"/>
+                        <a:ea typeface="Calibri" panose="020F0502020204030204" pitchFamily="34" charset="0"/>
+                        <a:cs typeface="Times New Roman" panose="02020603050405020304" pitchFamily="18" charset="0"/>
                       </a:endParaRPr>
                     </a:p>
                   </a:txBody>
@@ -7292,19 +7697,27 @@
                     <a:bodyPr/>
                     <a:lstStyle/>
                     <a:p>
-                      <a:pPr algn="ctr" fontAlgn="ctr"/>
-                      <a:r>
-                        <a:rPr lang="pt-BR" sz="1600" u="none" strike="noStrike" dirty="0">
-                          <a:effectLst/>
-                        </a:rPr>
-                        <a:t>X</a:t>
-                      </a:r>
-                      <a:endParaRPr lang="pt-BR" sz="1600" b="1" i="0" u="none" strike="noStrike" dirty="0">
+                      <a:pPr algn="ctr"/>
+                      <a:r>
+                        <a:rPr lang="pt-BR" sz="1400" b="1" kern="1200" smtClean="0">
+                          <a:solidFill>
+                            <a:srgbClr val="00B050"/>
+                          </a:solidFill>
+                          <a:effectLst/>
+                          <a:latin typeface="+mn-lt"/>
+                          <a:ea typeface="+mn-ea"/>
+                          <a:cs typeface="+mn-cs"/>
+                        </a:rPr>
+                        <a:t>✔</a:t>
+                      </a:r>
+                      <a:endParaRPr lang="pt-BR" sz="1400" b="1" kern="1200" dirty="0">
                         <a:solidFill>
-                          <a:srgbClr val="C65911"/>
+                          <a:srgbClr val="00B050"/>
                         </a:solidFill>
                         <a:effectLst/>
-                        <a:latin typeface="Calibri" panose="020F0502020204030204" pitchFamily="34" charset="0"/>
+                        <a:latin typeface="+mn-lt"/>
+                        <a:ea typeface="+mn-ea"/>
+                        <a:cs typeface="+mn-cs"/>
                       </a:endParaRPr>
                     </a:p>
                   </a:txBody>
@@ -7315,19 +7728,27 @@
                     <a:bodyPr/>
                     <a:lstStyle/>
                     <a:p>
-                      <a:pPr algn="ctr" fontAlgn="ctr"/>
-                      <a:r>
-                        <a:rPr lang="pt-BR" sz="1600" u="none" strike="noStrike" dirty="0">
-                          <a:effectLst/>
-                        </a:rPr>
-                        <a:t>X</a:t>
-                      </a:r>
-                      <a:endParaRPr lang="pt-BR" sz="1600" b="1" i="0" u="none" strike="noStrike" dirty="0">
+                      <a:pPr algn="ctr"/>
+                      <a:r>
+                        <a:rPr lang="pt-BR" sz="1400" b="1" kern="1200" smtClean="0">
+                          <a:solidFill>
+                            <a:srgbClr val="00B050"/>
+                          </a:solidFill>
+                          <a:effectLst/>
+                          <a:latin typeface="+mn-lt"/>
+                          <a:ea typeface="+mn-ea"/>
+                          <a:cs typeface="+mn-cs"/>
+                        </a:rPr>
+                        <a:t>✔</a:t>
+                      </a:r>
+                      <a:endParaRPr lang="pt-BR" sz="1400" b="1" kern="1200" dirty="0">
                         <a:solidFill>
-                          <a:srgbClr val="C65911"/>
+                          <a:srgbClr val="00B050"/>
                         </a:solidFill>
                         <a:effectLst/>
-                        <a:latin typeface="Calibri" panose="020F0502020204030204" pitchFamily="34" charset="0"/>
+                        <a:latin typeface="+mn-lt"/>
+                        <a:ea typeface="+mn-ea"/>
+                        <a:cs typeface="+mn-cs"/>
                       </a:endParaRPr>
                     </a:p>
                   </a:txBody>
@@ -7345,19 +7766,27 @@
                     <a:bodyPr/>
                     <a:lstStyle/>
                     <a:p>
-                      <a:pPr algn="ctr" fontAlgn="ctr"/>
-                      <a:r>
-                        <a:rPr lang="pt-BR" sz="1600" u="none" strike="noStrike" dirty="0">
-                          <a:effectLst/>
-                        </a:rPr>
-                        <a:t>X</a:t>
-                      </a:r>
-                      <a:endParaRPr lang="pt-BR" sz="1600" b="1" i="0" u="none" strike="noStrike" dirty="0">
+                      <a:pPr algn="ctr"/>
+                      <a:r>
+                        <a:rPr lang="pt-BR" sz="1400" b="1" kern="1200" smtClean="0">
+                          <a:solidFill>
+                            <a:srgbClr val="00B050"/>
+                          </a:solidFill>
+                          <a:effectLst/>
+                          <a:latin typeface="+mn-lt"/>
+                          <a:ea typeface="+mn-ea"/>
+                          <a:cs typeface="+mn-cs"/>
+                        </a:rPr>
+                        <a:t>✔</a:t>
+                      </a:r>
+                      <a:endParaRPr lang="pt-BR" sz="1400" b="1" kern="1200" dirty="0">
                         <a:solidFill>
-                          <a:srgbClr val="C65911"/>
+                          <a:srgbClr val="00B050"/>
                         </a:solidFill>
                         <a:effectLst/>
-                        <a:latin typeface="Calibri" panose="020F0502020204030204" pitchFamily="34" charset="0"/>
+                        <a:latin typeface="+mn-lt"/>
+                        <a:ea typeface="+mn-ea"/>
+                        <a:cs typeface="+mn-cs"/>
                       </a:endParaRPr>
                     </a:p>
                   </a:txBody>
@@ -7368,19 +7797,27 @@
                     <a:bodyPr/>
                     <a:lstStyle/>
                     <a:p>
-                      <a:pPr algn="ctr" fontAlgn="ctr"/>
-                      <a:r>
-                        <a:rPr lang="pt-BR" sz="1600" u="none" strike="noStrike" dirty="0">
-                          <a:effectLst/>
-                        </a:rPr>
-                        <a:t>X</a:t>
-                      </a:r>
-                      <a:endParaRPr lang="pt-BR" sz="1600" b="1" i="0" u="none" strike="noStrike" dirty="0">
+                      <a:pPr algn="ctr"/>
+                      <a:r>
+                        <a:rPr lang="pt-BR" sz="1400" b="1" kern="1200" smtClean="0">
+                          <a:solidFill>
+                            <a:srgbClr val="00B050"/>
+                          </a:solidFill>
+                          <a:effectLst/>
+                          <a:latin typeface="+mn-lt"/>
+                          <a:ea typeface="+mn-ea"/>
+                          <a:cs typeface="+mn-cs"/>
+                        </a:rPr>
+                        <a:t>✔</a:t>
+                      </a:r>
+                      <a:endParaRPr lang="pt-BR" sz="1400" b="1" kern="1200" dirty="0">
                         <a:solidFill>
-                          <a:srgbClr val="C65911"/>
+                          <a:srgbClr val="00B050"/>
                         </a:solidFill>
                         <a:effectLst/>
-                        <a:latin typeface="Calibri" panose="020F0502020204030204" pitchFamily="34" charset="0"/>
+                        <a:latin typeface="+mn-lt"/>
+                        <a:ea typeface="+mn-ea"/>
+                        <a:cs typeface="+mn-cs"/>
                       </a:endParaRPr>
                     </a:p>
                   </a:txBody>
@@ -7398,19 +7835,27 @@
                     <a:bodyPr/>
                     <a:lstStyle/>
                     <a:p>
-                      <a:pPr algn="ctr" fontAlgn="ctr"/>
-                      <a:r>
-                        <a:rPr lang="pt-BR" sz="1600" u="none" strike="noStrike" dirty="0">
-                          <a:effectLst/>
-                        </a:rPr>
-                        <a:t>X</a:t>
-                      </a:r>
-                      <a:endParaRPr lang="pt-BR" sz="1600" b="1" i="0" u="none" strike="noStrike" dirty="0">
+                      <a:pPr algn="ctr"/>
+                      <a:r>
+                        <a:rPr lang="pt-BR" sz="1400" b="1" kern="1200" dirty="0" smtClean="0">
+                          <a:solidFill>
+                            <a:srgbClr val="00B050"/>
+                          </a:solidFill>
+                          <a:effectLst/>
+                          <a:latin typeface="+mn-lt"/>
+                          <a:ea typeface="+mn-ea"/>
+                          <a:cs typeface="+mn-cs"/>
+                        </a:rPr>
+                        <a:t>✔</a:t>
+                      </a:r>
+                      <a:endParaRPr lang="pt-BR" sz="1400" b="1" kern="1200" dirty="0">
                         <a:solidFill>
-                          <a:srgbClr val="C65911"/>
+                          <a:srgbClr val="00B050"/>
                         </a:solidFill>
                         <a:effectLst/>
-                        <a:latin typeface="Calibri" panose="020F0502020204030204" pitchFamily="34" charset="0"/>
+                        <a:latin typeface="+mn-lt"/>
+                        <a:ea typeface="+mn-ea"/>
+                        <a:cs typeface="+mn-cs"/>
                       </a:endParaRPr>
                     </a:p>
                   </a:txBody>
@@ -7425,11 +7870,11 @@
                 </a:tc>
                 <a:extLst>
                   <a:ext uri="{0D108BD9-81ED-4DB2-BD59-A6C34878D82A}">
-                    <a16:rowId xmlns:a16="http://schemas.microsoft.com/office/drawing/2014/main" xmlns="" val="338729972"/>
+                    <a16:rowId xmlns="" xmlns:a16="http://schemas.microsoft.com/office/drawing/2014/main" val="338729972"/>
                   </a:ext>
                 </a:extLst>
               </a:tr>
-              <a:tr h="606636">
+              <a:tr h="588946">
                 <a:tc>
                   <a:txBody>
                     <a:bodyPr/>
@@ -7458,42 +7903,62 @@
                     <a:bodyPr/>
                     <a:lstStyle/>
                     <a:p>
-                      <a:pPr algn="ctr" fontAlgn="ctr"/>
-                      <a:r>
-                        <a:rPr lang="pt-BR" sz="1600" u="none" strike="noStrike" dirty="0">
-                          <a:effectLst/>
-                        </a:rPr>
-                        <a:t>X</a:t>
-                      </a:r>
-                      <a:endParaRPr lang="pt-BR" sz="1600" b="1" i="0" u="none" strike="noStrike" dirty="0">
+                      <a:pPr algn="ctr"/>
+                      <a:r>
+                        <a:rPr lang="pt-BR" sz="1400" b="1" kern="1200" smtClean="0">
+                          <a:solidFill>
+                            <a:srgbClr val="00B050"/>
+                          </a:solidFill>
+                          <a:effectLst/>
+                          <a:latin typeface="+mn-lt"/>
+                          <a:ea typeface="+mn-ea"/>
+                          <a:cs typeface="+mn-cs"/>
+                        </a:rPr>
+                        <a:t>✔</a:t>
+                      </a:r>
+                      <a:endParaRPr lang="pt-BR" sz="1400" b="1" kern="1200" dirty="0">
                         <a:solidFill>
-                          <a:srgbClr val="C65911"/>
+                          <a:srgbClr val="00B050"/>
                         </a:solidFill>
                         <a:effectLst/>
+                        <a:latin typeface="+mn-lt"/>
+                        <a:ea typeface="+mn-ea"/>
+                        <a:cs typeface="+mn-cs"/>
+                      </a:endParaRPr>
+                    </a:p>
+                  </a:txBody>
+                  <a:tcPr marL="6350" marR="6350" marT="6350" marB="0" anchor="ctr"/>
+                </a:tc>
+                <a:tc>
+                  <a:txBody>
+                    <a:bodyPr/>
+                    <a:lstStyle/>
+                    <a:p>
+                      <a:pPr algn="ctr">
+                        <a:lnSpc>
+                          <a:spcPct val="107000"/>
+                        </a:lnSpc>
+                        <a:spcAft>
+                          <a:spcPts val="800"/>
+                        </a:spcAft>
+                      </a:pPr>
+                      <a:r>
+                        <a:rPr lang="pt-BR" sz="1400" b="1" dirty="0" smtClean="0">
+                          <a:solidFill>
+                            <a:srgbClr val="FF0000"/>
+                          </a:solidFill>
+                          <a:effectLst/>
+                          <a:latin typeface="Segoe UI Symbol" panose="020B0502040204020203" pitchFamily="34" charset="0"/>
+                          <a:ea typeface="Calibri" panose="020F0502020204030204" pitchFamily="34" charset="0"/>
+                          <a:cs typeface="Times New Roman" panose="02020603050405020304" pitchFamily="18" charset="0"/>
+                        </a:rPr>
+                        <a:t>✘</a:t>
+                      </a:r>
+                      <a:endParaRPr lang="pt-BR" sz="1400" b="1" dirty="0">
+                        <a:effectLst/>
                         <a:latin typeface="Calibri" panose="020F0502020204030204" pitchFamily="34" charset="0"/>
-                      </a:endParaRPr>
-                    </a:p>
-                  </a:txBody>
-                  <a:tcPr marL="6350" marR="6350" marT="6350" marB="0" anchor="ctr"/>
-                </a:tc>
-                <a:tc>
-                  <a:txBody>
-                    <a:bodyPr/>
-                    <a:lstStyle/>
-                    <a:p>
-                      <a:pPr algn="ctr" fontAlgn="ctr"/>
-                      <a:r>
-                        <a:rPr lang="pt-BR" sz="1600" u="none" strike="noStrike" dirty="0">
-                          <a:effectLst/>
-                        </a:rPr>
-                        <a:t>Não</a:t>
-                      </a:r>
-                      <a:endParaRPr lang="pt-BR" sz="1600" b="1" i="0" u="none" strike="noStrike" dirty="0">
-                        <a:solidFill>
-                          <a:srgbClr val="C65911"/>
-                        </a:solidFill>
-                        <a:effectLst/>
-                        <a:latin typeface="Calibri" panose="020F0502020204030204" pitchFamily="34" charset="0"/>
+                        <a:ea typeface="Calibri" panose="020F0502020204030204" pitchFamily="34" charset="0"/>
+                        <a:cs typeface="Times New Roman" panose="02020603050405020304" pitchFamily="18" charset="0"/>
                       </a:endParaRPr>
                     </a:p>
                   </a:txBody>
@@ -7511,19 +7976,27 @@
                     <a:bodyPr/>
                     <a:lstStyle/>
                     <a:p>
-                      <a:pPr algn="ctr" fontAlgn="ctr"/>
-                      <a:r>
-                        <a:rPr lang="pt-BR" sz="1600" u="none" strike="noStrike" dirty="0">
-                          <a:effectLst/>
-                        </a:rPr>
-                        <a:t>X</a:t>
-                      </a:r>
-                      <a:endParaRPr lang="pt-BR" sz="1600" b="1" i="0" u="none" strike="noStrike" dirty="0">
+                      <a:pPr algn="ctr"/>
+                      <a:r>
+                        <a:rPr lang="pt-BR" sz="1400" b="1" kern="1200" smtClean="0">
+                          <a:solidFill>
+                            <a:srgbClr val="00B050"/>
+                          </a:solidFill>
+                          <a:effectLst/>
+                          <a:latin typeface="+mn-lt"/>
+                          <a:ea typeface="+mn-ea"/>
+                          <a:cs typeface="+mn-cs"/>
+                        </a:rPr>
+                        <a:t>✔</a:t>
+                      </a:r>
+                      <a:endParaRPr lang="pt-BR" sz="1400" b="1" kern="1200" dirty="0">
                         <a:solidFill>
-                          <a:srgbClr val="C65911"/>
+                          <a:srgbClr val="00B050"/>
                         </a:solidFill>
                         <a:effectLst/>
-                        <a:latin typeface="Calibri" panose="020F0502020204030204" pitchFamily="34" charset="0"/>
+                        <a:latin typeface="+mn-lt"/>
+                        <a:ea typeface="+mn-ea"/>
+                        <a:cs typeface="+mn-cs"/>
                       </a:endParaRPr>
                     </a:p>
                   </a:txBody>
@@ -7534,19 +8007,27 @@
                     <a:bodyPr/>
                     <a:lstStyle/>
                     <a:p>
-                      <a:pPr algn="ctr" fontAlgn="ctr"/>
-                      <a:r>
-                        <a:rPr lang="pt-BR" sz="1600" u="none" strike="noStrike" dirty="0">
-                          <a:effectLst/>
-                        </a:rPr>
-                        <a:t>X</a:t>
-                      </a:r>
-                      <a:endParaRPr lang="pt-BR" sz="1600" b="1" i="0" u="none" strike="noStrike" dirty="0">
+                      <a:pPr algn="ctr"/>
+                      <a:r>
+                        <a:rPr lang="pt-BR" sz="1400" b="1" kern="1200" smtClean="0">
+                          <a:solidFill>
+                            <a:srgbClr val="00B050"/>
+                          </a:solidFill>
+                          <a:effectLst/>
+                          <a:latin typeface="+mn-lt"/>
+                          <a:ea typeface="+mn-ea"/>
+                          <a:cs typeface="+mn-cs"/>
+                        </a:rPr>
+                        <a:t>✔</a:t>
+                      </a:r>
+                      <a:endParaRPr lang="pt-BR" sz="1400" b="1" kern="1200" dirty="0">
                         <a:solidFill>
-                          <a:srgbClr val="C65911"/>
+                          <a:srgbClr val="00B050"/>
                         </a:solidFill>
                         <a:effectLst/>
-                        <a:latin typeface="Calibri" panose="020F0502020204030204" pitchFamily="34" charset="0"/>
+                        <a:latin typeface="+mn-lt"/>
+                        <a:ea typeface="+mn-ea"/>
+                        <a:cs typeface="+mn-cs"/>
                       </a:endParaRPr>
                     </a:p>
                   </a:txBody>
@@ -7564,19 +8045,27 @@
                     <a:bodyPr/>
                     <a:lstStyle/>
                     <a:p>
-                      <a:pPr algn="ctr" fontAlgn="ctr"/>
-                      <a:r>
-                        <a:rPr lang="pt-BR" sz="1600" u="none" strike="noStrike" dirty="0">
-                          <a:effectLst/>
-                        </a:rPr>
-                        <a:t>X</a:t>
-                      </a:r>
-                      <a:endParaRPr lang="pt-BR" sz="1600" b="1" i="0" u="none" strike="noStrike" dirty="0">
+                      <a:pPr algn="ctr"/>
+                      <a:r>
+                        <a:rPr lang="pt-BR" sz="1400" b="1" kern="1200" smtClean="0">
+                          <a:solidFill>
+                            <a:srgbClr val="00B050"/>
+                          </a:solidFill>
+                          <a:effectLst/>
+                          <a:latin typeface="+mn-lt"/>
+                          <a:ea typeface="+mn-ea"/>
+                          <a:cs typeface="+mn-cs"/>
+                        </a:rPr>
+                        <a:t>✔</a:t>
+                      </a:r>
+                      <a:endParaRPr lang="pt-BR" sz="1400" b="1" kern="1200" dirty="0">
                         <a:solidFill>
-                          <a:srgbClr val="C65911"/>
+                          <a:srgbClr val="00B050"/>
                         </a:solidFill>
                         <a:effectLst/>
-                        <a:latin typeface="Calibri" panose="020F0502020204030204" pitchFamily="34" charset="0"/>
+                        <a:latin typeface="+mn-lt"/>
+                        <a:ea typeface="+mn-ea"/>
+                        <a:cs typeface="+mn-cs"/>
                       </a:endParaRPr>
                     </a:p>
                   </a:txBody>
@@ -7587,19 +8076,27 @@
                     <a:bodyPr/>
                     <a:lstStyle/>
                     <a:p>
-                      <a:pPr algn="ctr" fontAlgn="ctr"/>
-                      <a:r>
-                        <a:rPr lang="pt-BR" sz="1600" u="none" strike="noStrike" dirty="0">
-                          <a:effectLst/>
-                        </a:rPr>
-                        <a:t>X</a:t>
-                      </a:r>
-                      <a:endParaRPr lang="pt-BR" sz="1600" b="1" i="0" u="none" strike="noStrike" dirty="0">
+                      <a:pPr algn="ctr"/>
+                      <a:r>
+                        <a:rPr lang="pt-BR" sz="1400" b="1" kern="1200" smtClean="0">
+                          <a:solidFill>
+                            <a:srgbClr val="00B050"/>
+                          </a:solidFill>
+                          <a:effectLst/>
+                          <a:latin typeface="+mn-lt"/>
+                          <a:ea typeface="+mn-ea"/>
+                          <a:cs typeface="+mn-cs"/>
+                        </a:rPr>
+                        <a:t>✔</a:t>
+                      </a:r>
+                      <a:endParaRPr lang="pt-BR" sz="1400" b="1" kern="1200" dirty="0">
                         <a:solidFill>
-                          <a:srgbClr val="C65911"/>
+                          <a:srgbClr val="00B050"/>
                         </a:solidFill>
                         <a:effectLst/>
-                        <a:latin typeface="Calibri" panose="020F0502020204030204" pitchFamily="34" charset="0"/>
+                        <a:latin typeface="+mn-lt"/>
+                        <a:ea typeface="+mn-ea"/>
+                        <a:cs typeface="+mn-cs"/>
                       </a:endParaRPr>
                     </a:p>
                   </a:txBody>
@@ -7617,19 +8114,27 @@
                     <a:bodyPr/>
                     <a:lstStyle/>
                     <a:p>
-                      <a:pPr algn="ctr" fontAlgn="ctr"/>
-                      <a:r>
-                        <a:rPr lang="pt-BR" sz="1600" u="none" strike="noStrike" dirty="0">
-                          <a:effectLst/>
-                        </a:rPr>
-                        <a:t>X</a:t>
-                      </a:r>
-                      <a:endParaRPr lang="pt-BR" sz="1600" b="1" i="0" u="none" strike="noStrike" dirty="0">
+                      <a:pPr algn="ctr"/>
+                      <a:r>
+                        <a:rPr lang="pt-BR" sz="1400" b="1" kern="1200" dirty="0" smtClean="0">
+                          <a:solidFill>
+                            <a:srgbClr val="00B050"/>
+                          </a:solidFill>
+                          <a:effectLst/>
+                          <a:latin typeface="+mn-lt"/>
+                          <a:ea typeface="+mn-ea"/>
+                          <a:cs typeface="+mn-cs"/>
+                        </a:rPr>
+                        <a:t>✔</a:t>
+                      </a:r>
+                      <a:endParaRPr lang="pt-BR" sz="1400" b="1" kern="1200" dirty="0">
                         <a:solidFill>
-                          <a:srgbClr val="C65911"/>
+                          <a:srgbClr val="00B050"/>
                         </a:solidFill>
                         <a:effectLst/>
-                        <a:latin typeface="Calibri" panose="020F0502020204030204" pitchFamily="34" charset="0"/>
+                        <a:latin typeface="+mn-lt"/>
+                        <a:ea typeface="+mn-ea"/>
+                        <a:cs typeface="+mn-cs"/>
                       </a:endParaRPr>
                     </a:p>
                   </a:txBody>
@@ -7644,11 +8149,11 @@
                 </a:tc>
                 <a:extLst>
                   <a:ext uri="{0D108BD9-81ED-4DB2-BD59-A6C34878D82A}">
-                    <a16:rowId xmlns:a16="http://schemas.microsoft.com/office/drawing/2014/main" xmlns="" val="4266661960"/>
+                    <a16:rowId xmlns="" xmlns:a16="http://schemas.microsoft.com/office/drawing/2014/main" val="4266661960"/>
                   </a:ext>
                 </a:extLst>
               </a:tr>
-              <a:tr h="606636">
+              <a:tr h="588946">
                 <a:tc>
                   <a:txBody>
                     <a:bodyPr/>
@@ -7677,42 +8182,62 @@
                     <a:bodyPr/>
                     <a:lstStyle/>
                     <a:p>
-                      <a:pPr algn="ctr" fontAlgn="ctr"/>
-                      <a:r>
-                        <a:rPr lang="pt-BR" sz="1600" u="none" strike="noStrike" dirty="0">
-                          <a:effectLst/>
-                        </a:rPr>
-                        <a:t>X</a:t>
-                      </a:r>
-                      <a:endParaRPr lang="pt-BR" sz="1600" b="1" i="0" u="none" strike="noStrike" dirty="0">
+                      <a:pPr algn="ctr"/>
+                      <a:r>
+                        <a:rPr lang="pt-BR" sz="1400" b="1" kern="1200" dirty="0" smtClean="0">
+                          <a:solidFill>
+                            <a:srgbClr val="00B050"/>
+                          </a:solidFill>
+                          <a:effectLst/>
+                          <a:latin typeface="+mn-lt"/>
+                          <a:ea typeface="+mn-ea"/>
+                          <a:cs typeface="+mn-cs"/>
+                        </a:rPr>
+                        <a:t>✔</a:t>
+                      </a:r>
+                      <a:endParaRPr lang="pt-BR" sz="1400" b="1" kern="1200" dirty="0">
                         <a:solidFill>
-                          <a:srgbClr val="C65911"/>
+                          <a:srgbClr val="00B050"/>
                         </a:solidFill>
                         <a:effectLst/>
+                        <a:latin typeface="+mn-lt"/>
+                        <a:ea typeface="+mn-ea"/>
+                        <a:cs typeface="+mn-cs"/>
+                      </a:endParaRPr>
+                    </a:p>
+                  </a:txBody>
+                  <a:tcPr marL="6350" marR="6350" marT="6350" marB="0" anchor="ctr"/>
+                </a:tc>
+                <a:tc>
+                  <a:txBody>
+                    <a:bodyPr/>
+                    <a:lstStyle/>
+                    <a:p>
+                      <a:pPr algn="ctr">
+                        <a:lnSpc>
+                          <a:spcPct val="107000"/>
+                        </a:lnSpc>
+                        <a:spcAft>
+                          <a:spcPts val="800"/>
+                        </a:spcAft>
+                      </a:pPr>
+                      <a:r>
+                        <a:rPr lang="pt-BR" sz="1400" b="1" dirty="0" smtClean="0">
+                          <a:solidFill>
+                            <a:srgbClr val="FF0000"/>
+                          </a:solidFill>
+                          <a:effectLst/>
+                          <a:latin typeface="Segoe UI Symbol" panose="020B0502040204020203" pitchFamily="34" charset="0"/>
+                          <a:ea typeface="Calibri" panose="020F0502020204030204" pitchFamily="34" charset="0"/>
+                          <a:cs typeface="Times New Roman" panose="02020603050405020304" pitchFamily="18" charset="0"/>
+                        </a:rPr>
+                        <a:t>✘</a:t>
+                      </a:r>
+                      <a:endParaRPr lang="pt-BR" sz="1400" b="1" dirty="0">
+                        <a:effectLst/>
                         <a:latin typeface="Calibri" panose="020F0502020204030204" pitchFamily="34" charset="0"/>
-                      </a:endParaRPr>
-                    </a:p>
-                  </a:txBody>
-                  <a:tcPr marL="6350" marR="6350" marT="6350" marB="0" anchor="ctr"/>
-                </a:tc>
-                <a:tc>
-                  <a:txBody>
-                    <a:bodyPr/>
-                    <a:lstStyle/>
-                    <a:p>
-                      <a:pPr algn="ctr" fontAlgn="ctr"/>
-                      <a:r>
-                        <a:rPr lang="pt-BR" sz="1600" u="none" strike="noStrike" dirty="0">
-                          <a:effectLst/>
-                        </a:rPr>
-                        <a:t>Não</a:t>
-                      </a:r>
-                      <a:endParaRPr lang="pt-BR" sz="1600" b="1" i="0" u="none" strike="noStrike" dirty="0">
-                        <a:solidFill>
-                          <a:srgbClr val="C65911"/>
-                        </a:solidFill>
-                        <a:effectLst/>
-                        <a:latin typeface="Calibri" panose="020F0502020204030204" pitchFamily="34" charset="0"/>
+                        <a:ea typeface="Calibri" panose="020F0502020204030204" pitchFamily="34" charset="0"/>
+                        <a:cs typeface="Times New Roman" panose="02020603050405020304" pitchFamily="18" charset="0"/>
                       </a:endParaRPr>
                     </a:p>
                   </a:txBody>
@@ -7730,19 +8255,27 @@
                     <a:bodyPr/>
                     <a:lstStyle/>
                     <a:p>
-                      <a:pPr algn="ctr" fontAlgn="ctr"/>
-                      <a:r>
-                        <a:rPr lang="pt-BR" sz="1600" u="none" strike="noStrike" dirty="0">
-                          <a:effectLst/>
-                        </a:rPr>
-                        <a:t>X</a:t>
-                      </a:r>
-                      <a:endParaRPr lang="pt-BR" sz="1600" b="1" i="0" u="none" strike="noStrike" dirty="0">
+                      <a:pPr algn="ctr"/>
+                      <a:r>
+                        <a:rPr lang="pt-BR" sz="1400" b="1" kern="1200" smtClean="0">
+                          <a:solidFill>
+                            <a:srgbClr val="00B050"/>
+                          </a:solidFill>
+                          <a:effectLst/>
+                          <a:latin typeface="+mn-lt"/>
+                          <a:ea typeface="+mn-ea"/>
+                          <a:cs typeface="+mn-cs"/>
+                        </a:rPr>
+                        <a:t>✔</a:t>
+                      </a:r>
+                      <a:endParaRPr lang="pt-BR" sz="1400" b="1" kern="1200" dirty="0">
                         <a:solidFill>
-                          <a:srgbClr val="C65911"/>
+                          <a:srgbClr val="00B050"/>
                         </a:solidFill>
                         <a:effectLst/>
-                        <a:latin typeface="Calibri" panose="020F0502020204030204" pitchFamily="34" charset="0"/>
+                        <a:latin typeface="+mn-lt"/>
+                        <a:ea typeface="+mn-ea"/>
+                        <a:cs typeface="+mn-cs"/>
                       </a:endParaRPr>
                     </a:p>
                   </a:txBody>
@@ -7753,19 +8286,27 @@
                     <a:bodyPr/>
                     <a:lstStyle/>
                     <a:p>
-                      <a:pPr algn="ctr" fontAlgn="ctr"/>
-                      <a:r>
-                        <a:rPr lang="pt-BR" sz="1600" u="none" strike="noStrike" dirty="0">
-                          <a:effectLst/>
-                        </a:rPr>
-                        <a:t>X</a:t>
-                      </a:r>
-                      <a:endParaRPr lang="pt-BR" sz="1600" b="1" i="0" u="none" strike="noStrike" dirty="0">
+                      <a:pPr algn="ctr"/>
+                      <a:r>
+                        <a:rPr lang="pt-BR" sz="1400" b="1" kern="1200" smtClean="0">
+                          <a:solidFill>
+                            <a:srgbClr val="00B050"/>
+                          </a:solidFill>
+                          <a:effectLst/>
+                          <a:latin typeface="+mn-lt"/>
+                          <a:ea typeface="+mn-ea"/>
+                          <a:cs typeface="+mn-cs"/>
+                        </a:rPr>
+                        <a:t>✔</a:t>
+                      </a:r>
+                      <a:endParaRPr lang="pt-BR" sz="1400" b="1" kern="1200" dirty="0">
                         <a:solidFill>
-                          <a:srgbClr val="C65911"/>
+                          <a:srgbClr val="00B050"/>
                         </a:solidFill>
                         <a:effectLst/>
-                        <a:latin typeface="Calibri" panose="020F0502020204030204" pitchFamily="34" charset="0"/>
+                        <a:latin typeface="+mn-lt"/>
+                        <a:ea typeface="+mn-ea"/>
+                        <a:cs typeface="+mn-cs"/>
                       </a:endParaRPr>
                     </a:p>
                   </a:txBody>
@@ -7783,19 +8324,27 @@
                     <a:bodyPr/>
                     <a:lstStyle/>
                     <a:p>
-                      <a:pPr algn="ctr" fontAlgn="ctr"/>
-                      <a:r>
-                        <a:rPr lang="pt-BR" sz="1600" u="none" strike="noStrike" dirty="0">
-                          <a:effectLst/>
-                        </a:rPr>
-                        <a:t>X</a:t>
-                      </a:r>
-                      <a:endParaRPr lang="pt-BR" sz="1600" b="1" i="0" u="none" strike="noStrike" dirty="0">
+                      <a:pPr algn="ctr"/>
+                      <a:r>
+                        <a:rPr lang="pt-BR" sz="1400" b="1" kern="1200" smtClean="0">
+                          <a:solidFill>
+                            <a:srgbClr val="00B050"/>
+                          </a:solidFill>
+                          <a:effectLst/>
+                          <a:latin typeface="+mn-lt"/>
+                          <a:ea typeface="+mn-ea"/>
+                          <a:cs typeface="+mn-cs"/>
+                        </a:rPr>
+                        <a:t>✔</a:t>
+                      </a:r>
+                      <a:endParaRPr lang="pt-BR" sz="1400" b="1" kern="1200" dirty="0">
                         <a:solidFill>
-                          <a:srgbClr val="C65911"/>
+                          <a:srgbClr val="00B050"/>
                         </a:solidFill>
                         <a:effectLst/>
-                        <a:latin typeface="Calibri" panose="020F0502020204030204" pitchFamily="34" charset="0"/>
+                        <a:latin typeface="+mn-lt"/>
+                        <a:ea typeface="+mn-ea"/>
+                        <a:cs typeface="+mn-cs"/>
                       </a:endParaRPr>
                     </a:p>
                   </a:txBody>
@@ -7806,19 +8355,27 @@
                     <a:bodyPr/>
                     <a:lstStyle/>
                     <a:p>
-                      <a:pPr algn="ctr" fontAlgn="ctr"/>
-                      <a:r>
-                        <a:rPr lang="pt-BR" sz="1600" u="none" strike="noStrike" dirty="0">
-                          <a:effectLst/>
-                        </a:rPr>
-                        <a:t>X</a:t>
-                      </a:r>
-                      <a:endParaRPr lang="pt-BR" sz="1600" b="1" i="0" u="none" strike="noStrike" dirty="0">
+                      <a:pPr algn="ctr"/>
+                      <a:r>
+                        <a:rPr lang="pt-BR" sz="1400" b="1" kern="1200" smtClean="0">
+                          <a:solidFill>
+                            <a:srgbClr val="00B050"/>
+                          </a:solidFill>
+                          <a:effectLst/>
+                          <a:latin typeface="+mn-lt"/>
+                          <a:ea typeface="+mn-ea"/>
+                          <a:cs typeface="+mn-cs"/>
+                        </a:rPr>
+                        <a:t>✔</a:t>
+                      </a:r>
+                      <a:endParaRPr lang="pt-BR" sz="1400" b="1" kern="1200" dirty="0">
                         <a:solidFill>
-                          <a:srgbClr val="C65911"/>
+                          <a:srgbClr val="00B050"/>
                         </a:solidFill>
                         <a:effectLst/>
-                        <a:latin typeface="Calibri" panose="020F0502020204030204" pitchFamily="34" charset="0"/>
+                        <a:latin typeface="+mn-lt"/>
+                        <a:ea typeface="+mn-ea"/>
+                        <a:cs typeface="+mn-cs"/>
                       </a:endParaRPr>
                     </a:p>
                   </a:txBody>
@@ -7836,19 +8393,27 @@
                     <a:bodyPr/>
                     <a:lstStyle/>
                     <a:p>
-                      <a:pPr algn="ctr" fontAlgn="ctr"/>
-                      <a:r>
-                        <a:rPr lang="pt-BR" sz="1600" u="none" strike="noStrike" dirty="0">
-                          <a:effectLst/>
-                        </a:rPr>
-                        <a:t>X</a:t>
-                      </a:r>
-                      <a:endParaRPr lang="pt-BR" sz="1600" b="1" i="0" u="none" strike="noStrike" dirty="0">
+                      <a:pPr algn="ctr"/>
+                      <a:r>
+                        <a:rPr lang="pt-BR" sz="1400" b="1" kern="1200" dirty="0" smtClean="0">
+                          <a:solidFill>
+                            <a:srgbClr val="00B050"/>
+                          </a:solidFill>
+                          <a:effectLst/>
+                          <a:latin typeface="+mn-lt"/>
+                          <a:ea typeface="+mn-ea"/>
+                          <a:cs typeface="+mn-cs"/>
+                        </a:rPr>
+                        <a:t>✔</a:t>
+                      </a:r>
+                      <a:endParaRPr lang="pt-BR" sz="1400" b="1" kern="1200" dirty="0">
                         <a:solidFill>
-                          <a:srgbClr val="C65911"/>
+                          <a:srgbClr val="00B050"/>
                         </a:solidFill>
                         <a:effectLst/>
-                        <a:latin typeface="Calibri" panose="020F0502020204030204" pitchFamily="34" charset="0"/>
+                        <a:latin typeface="+mn-lt"/>
+                        <a:ea typeface="+mn-ea"/>
+                        <a:cs typeface="+mn-cs"/>
                       </a:endParaRPr>
                     </a:p>
                   </a:txBody>
@@ -7863,11 +8428,11 @@
                 </a:tc>
                 <a:extLst>
                   <a:ext uri="{0D108BD9-81ED-4DB2-BD59-A6C34878D82A}">
-                    <a16:rowId xmlns:a16="http://schemas.microsoft.com/office/drawing/2014/main" xmlns="" val="297487092"/>
+                    <a16:rowId xmlns="" xmlns:a16="http://schemas.microsoft.com/office/drawing/2014/main" val="297487092"/>
                   </a:ext>
                 </a:extLst>
               </a:tr>
-              <a:tr h="606636">
+              <a:tr h="588946">
                 <a:tc>
                   <a:txBody>
                     <a:bodyPr/>
@@ -7896,42 +8461,62 @@
                     <a:bodyPr/>
                     <a:lstStyle/>
                     <a:p>
-                      <a:pPr algn="ctr" fontAlgn="ctr"/>
-                      <a:r>
-                        <a:rPr lang="pt-BR" sz="1600" u="none" strike="noStrike" dirty="0">
-                          <a:effectLst/>
-                        </a:rPr>
-                        <a:t>X</a:t>
-                      </a:r>
-                      <a:endParaRPr lang="pt-BR" sz="1600" b="1" i="0" u="none" strike="noStrike" dirty="0">
+                      <a:pPr algn="ctr"/>
+                      <a:r>
+                        <a:rPr lang="pt-BR" sz="1400" b="1" kern="1200" dirty="0" smtClean="0">
+                          <a:solidFill>
+                            <a:srgbClr val="00B050"/>
+                          </a:solidFill>
+                          <a:effectLst/>
+                          <a:latin typeface="+mn-lt"/>
+                          <a:ea typeface="+mn-ea"/>
+                          <a:cs typeface="+mn-cs"/>
+                        </a:rPr>
+                        <a:t>✔</a:t>
+                      </a:r>
+                      <a:endParaRPr lang="pt-BR" sz="1400" b="1" kern="1200" dirty="0">
                         <a:solidFill>
-                          <a:srgbClr val="C65911"/>
+                          <a:srgbClr val="00B050"/>
                         </a:solidFill>
                         <a:effectLst/>
+                        <a:latin typeface="+mn-lt"/>
+                        <a:ea typeface="+mn-ea"/>
+                        <a:cs typeface="+mn-cs"/>
+                      </a:endParaRPr>
+                    </a:p>
+                  </a:txBody>
+                  <a:tcPr marL="6350" marR="6350" marT="6350" marB="0" anchor="ctr"/>
+                </a:tc>
+                <a:tc>
+                  <a:txBody>
+                    <a:bodyPr/>
+                    <a:lstStyle/>
+                    <a:p>
+                      <a:pPr algn="ctr">
+                        <a:lnSpc>
+                          <a:spcPct val="107000"/>
+                        </a:lnSpc>
+                        <a:spcAft>
+                          <a:spcPts val="800"/>
+                        </a:spcAft>
+                      </a:pPr>
+                      <a:r>
+                        <a:rPr lang="pt-BR" sz="1400" b="1" dirty="0" smtClean="0">
+                          <a:solidFill>
+                            <a:srgbClr val="FF0000"/>
+                          </a:solidFill>
+                          <a:effectLst/>
+                          <a:latin typeface="Segoe UI Symbol" panose="020B0502040204020203" pitchFamily="34" charset="0"/>
+                          <a:ea typeface="Calibri" panose="020F0502020204030204" pitchFamily="34" charset="0"/>
+                          <a:cs typeface="Times New Roman" panose="02020603050405020304" pitchFamily="18" charset="0"/>
+                        </a:rPr>
+                        <a:t>✘</a:t>
+                      </a:r>
+                      <a:endParaRPr lang="pt-BR" sz="1400" b="1" dirty="0">
+                        <a:effectLst/>
                         <a:latin typeface="Calibri" panose="020F0502020204030204" pitchFamily="34" charset="0"/>
-                      </a:endParaRPr>
-                    </a:p>
-                  </a:txBody>
-                  <a:tcPr marL="6350" marR="6350" marT="6350" marB="0" anchor="ctr"/>
-                </a:tc>
-                <a:tc>
-                  <a:txBody>
-                    <a:bodyPr/>
-                    <a:lstStyle/>
-                    <a:p>
-                      <a:pPr algn="ctr" fontAlgn="ctr"/>
-                      <a:r>
-                        <a:rPr lang="pt-BR" sz="1600" u="none" strike="noStrike" dirty="0">
-                          <a:effectLst/>
-                        </a:rPr>
-                        <a:t>Não</a:t>
-                      </a:r>
-                      <a:endParaRPr lang="pt-BR" sz="1600" b="1" i="0" u="none" strike="noStrike" dirty="0">
-                        <a:solidFill>
-                          <a:srgbClr val="C65911"/>
-                        </a:solidFill>
-                        <a:effectLst/>
-                        <a:latin typeface="Calibri" panose="020F0502020204030204" pitchFamily="34" charset="0"/>
+                        <a:ea typeface="Calibri" panose="020F0502020204030204" pitchFamily="34" charset="0"/>
+                        <a:cs typeface="Times New Roman" panose="02020603050405020304" pitchFamily="18" charset="0"/>
                       </a:endParaRPr>
                     </a:p>
                   </a:txBody>
@@ -7949,19 +8534,27 @@
                     <a:bodyPr/>
                     <a:lstStyle/>
                     <a:p>
-                      <a:pPr algn="ctr" fontAlgn="ctr"/>
-                      <a:r>
-                        <a:rPr lang="pt-BR" sz="1600" u="none" strike="noStrike" dirty="0">
-                          <a:effectLst/>
-                        </a:rPr>
-                        <a:t>X</a:t>
-                      </a:r>
-                      <a:endParaRPr lang="pt-BR" sz="1600" b="1" i="0" u="none" strike="noStrike" dirty="0">
+                      <a:pPr algn="ctr"/>
+                      <a:r>
+                        <a:rPr lang="pt-BR" sz="1400" b="1" kern="1200" dirty="0" smtClean="0">
+                          <a:solidFill>
+                            <a:srgbClr val="00B050"/>
+                          </a:solidFill>
+                          <a:effectLst/>
+                          <a:latin typeface="+mn-lt"/>
+                          <a:ea typeface="+mn-ea"/>
+                          <a:cs typeface="+mn-cs"/>
+                        </a:rPr>
+                        <a:t>✔</a:t>
+                      </a:r>
+                      <a:endParaRPr lang="pt-BR" sz="1400" b="1" kern="1200" dirty="0">
                         <a:solidFill>
-                          <a:srgbClr val="C65911"/>
+                          <a:srgbClr val="00B050"/>
                         </a:solidFill>
                         <a:effectLst/>
-                        <a:latin typeface="Calibri" panose="020F0502020204030204" pitchFamily="34" charset="0"/>
+                        <a:latin typeface="+mn-lt"/>
+                        <a:ea typeface="+mn-ea"/>
+                        <a:cs typeface="+mn-cs"/>
                       </a:endParaRPr>
                     </a:p>
                   </a:txBody>
@@ -7972,19 +8565,27 @@
                     <a:bodyPr/>
                     <a:lstStyle/>
                     <a:p>
-                      <a:pPr algn="ctr" fontAlgn="ctr"/>
-                      <a:r>
-                        <a:rPr lang="pt-BR" sz="1600" u="none" strike="noStrike" dirty="0">
-                          <a:effectLst/>
-                        </a:rPr>
-                        <a:t>X</a:t>
-                      </a:r>
-                      <a:endParaRPr lang="pt-BR" sz="1600" b="1" i="0" u="none" strike="noStrike" dirty="0">
+                      <a:pPr algn="ctr"/>
+                      <a:r>
+                        <a:rPr lang="pt-BR" sz="1400" b="1" kern="1200" dirty="0" smtClean="0">
+                          <a:solidFill>
+                            <a:srgbClr val="00B050"/>
+                          </a:solidFill>
+                          <a:effectLst/>
+                          <a:latin typeface="+mn-lt"/>
+                          <a:ea typeface="+mn-ea"/>
+                          <a:cs typeface="+mn-cs"/>
+                        </a:rPr>
+                        <a:t>✔</a:t>
+                      </a:r>
+                      <a:endParaRPr lang="pt-BR" sz="1400" b="1" kern="1200" dirty="0">
                         <a:solidFill>
-                          <a:srgbClr val="C65911"/>
+                          <a:srgbClr val="00B050"/>
                         </a:solidFill>
                         <a:effectLst/>
-                        <a:latin typeface="Calibri" panose="020F0502020204030204" pitchFamily="34" charset="0"/>
+                        <a:latin typeface="+mn-lt"/>
+                        <a:ea typeface="+mn-ea"/>
+                        <a:cs typeface="+mn-cs"/>
                       </a:endParaRPr>
                     </a:p>
                   </a:txBody>
@@ -8002,19 +8603,27 @@
                     <a:bodyPr/>
                     <a:lstStyle/>
                     <a:p>
-                      <a:pPr algn="ctr" fontAlgn="ctr"/>
-                      <a:r>
-                        <a:rPr lang="pt-BR" sz="1600" u="none" strike="noStrike" dirty="0">
-                          <a:effectLst/>
-                        </a:rPr>
-                        <a:t>X</a:t>
-                      </a:r>
-                      <a:endParaRPr lang="pt-BR" sz="1600" b="1" i="0" u="none" strike="noStrike" dirty="0">
+                      <a:pPr algn="ctr"/>
+                      <a:r>
+                        <a:rPr lang="pt-BR" sz="1400" b="1" kern="1200" smtClean="0">
+                          <a:solidFill>
+                            <a:srgbClr val="00B050"/>
+                          </a:solidFill>
+                          <a:effectLst/>
+                          <a:latin typeface="+mn-lt"/>
+                          <a:ea typeface="+mn-ea"/>
+                          <a:cs typeface="+mn-cs"/>
+                        </a:rPr>
+                        <a:t>✔</a:t>
+                      </a:r>
+                      <a:endParaRPr lang="pt-BR" sz="1400" b="1" kern="1200" dirty="0">
                         <a:solidFill>
-                          <a:srgbClr val="C65911"/>
+                          <a:srgbClr val="00B050"/>
                         </a:solidFill>
                         <a:effectLst/>
-                        <a:latin typeface="Calibri" panose="020F0502020204030204" pitchFamily="34" charset="0"/>
+                        <a:latin typeface="+mn-lt"/>
+                        <a:ea typeface="+mn-ea"/>
+                        <a:cs typeface="+mn-cs"/>
                       </a:endParaRPr>
                     </a:p>
                   </a:txBody>
@@ -8025,19 +8634,27 @@
                     <a:bodyPr/>
                     <a:lstStyle/>
                     <a:p>
-                      <a:pPr algn="ctr" fontAlgn="ctr"/>
-                      <a:r>
-                        <a:rPr lang="pt-BR" sz="1600" u="none" strike="noStrike" dirty="0">
-                          <a:effectLst/>
-                        </a:rPr>
-                        <a:t>X</a:t>
-                      </a:r>
-                      <a:endParaRPr lang="pt-BR" sz="1600" b="1" i="0" u="none" strike="noStrike" dirty="0">
+                      <a:pPr algn="ctr"/>
+                      <a:r>
+                        <a:rPr lang="pt-BR" sz="1400" b="1" kern="1200" smtClean="0">
+                          <a:solidFill>
+                            <a:srgbClr val="00B050"/>
+                          </a:solidFill>
+                          <a:effectLst/>
+                          <a:latin typeface="+mn-lt"/>
+                          <a:ea typeface="+mn-ea"/>
+                          <a:cs typeface="+mn-cs"/>
+                        </a:rPr>
+                        <a:t>✔</a:t>
+                      </a:r>
+                      <a:endParaRPr lang="pt-BR" sz="1400" b="1" kern="1200" dirty="0">
                         <a:solidFill>
-                          <a:srgbClr val="C65911"/>
+                          <a:srgbClr val="00B050"/>
                         </a:solidFill>
                         <a:effectLst/>
-                        <a:latin typeface="Calibri" panose="020F0502020204030204" pitchFamily="34" charset="0"/>
+                        <a:latin typeface="+mn-lt"/>
+                        <a:ea typeface="+mn-ea"/>
+                        <a:cs typeface="+mn-cs"/>
                       </a:endParaRPr>
                     </a:p>
                   </a:txBody>
@@ -8055,19 +8672,27 @@
                     <a:bodyPr/>
                     <a:lstStyle/>
                     <a:p>
-                      <a:pPr algn="ctr" fontAlgn="ctr"/>
-                      <a:r>
-                        <a:rPr lang="pt-BR" sz="1600" u="none" strike="noStrike" dirty="0">
-                          <a:effectLst/>
-                        </a:rPr>
-                        <a:t>X</a:t>
-                      </a:r>
-                      <a:endParaRPr lang="pt-BR" sz="1600" b="1" i="0" u="none" strike="noStrike" dirty="0">
+                      <a:pPr algn="ctr"/>
+                      <a:r>
+                        <a:rPr lang="pt-BR" sz="1400" b="1" kern="1200" dirty="0" smtClean="0">
+                          <a:solidFill>
+                            <a:srgbClr val="00B050"/>
+                          </a:solidFill>
+                          <a:effectLst/>
+                          <a:latin typeface="+mn-lt"/>
+                          <a:ea typeface="+mn-ea"/>
+                          <a:cs typeface="+mn-cs"/>
+                        </a:rPr>
+                        <a:t>✔</a:t>
+                      </a:r>
+                      <a:endParaRPr lang="pt-BR" sz="1400" b="1" kern="1200" dirty="0">
                         <a:solidFill>
-                          <a:srgbClr val="C65911"/>
+                          <a:srgbClr val="00B050"/>
                         </a:solidFill>
                         <a:effectLst/>
-                        <a:latin typeface="Calibri" panose="020F0502020204030204" pitchFamily="34" charset="0"/>
+                        <a:latin typeface="+mn-lt"/>
+                        <a:ea typeface="+mn-ea"/>
+                        <a:cs typeface="+mn-cs"/>
                       </a:endParaRPr>
                     </a:p>
                   </a:txBody>
@@ -8082,11 +8707,11 @@
                 </a:tc>
                 <a:extLst>
                   <a:ext uri="{0D108BD9-81ED-4DB2-BD59-A6C34878D82A}">
-                    <a16:rowId xmlns:a16="http://schemas.microsoft.com/office/drawing/2014/main" xmlns="" val="995405840"/>
+                    <a16:rowId xmlns="" xmlns:a16="http://schemas.microsoft.com/office/drawing/2014/main" val="995405840"/>
                   </a:ext>
                 </a:extLst>
               </a:tr>
-              <a:tr h="313778">
+              <a:tr h="304628">
                 <a:tc>
                   <a:txBody>
                     <a:bodyPr/>
@@ -8117,14 +8742,17 @@
                     <a:p>
                       <a:pPr algn="ctr" fontAlgn="ctr"/>
                       <a:r>
-                        <a:rPr lang="pt-BR" sz="1600" u="none" strike="noStrike" dirty="0">
+                        <a:rPr lang="pt-BR" sz="1400" b="1" u="none" strike="noStrike" dirty="0">
+                          <a:solidFill>
+                            <a:srgbClr val="D93F01"/>
+                          </a:solidFill>
                           <a:effectLst/>
                         </a:rPr>
                         <a:t>?</a:t>
                       </a:r>
-                      <a:endParaRPr lang="pt-BR" sz="1600" b="1" i="0" u="none" strike="noStrike" dirty="0">
+                      <a:endParaRPr lang="pt-BR" sz="1400" b="1" i="0" u="none" strike="noStrike" dirty="0">
                         <a:solidFill>
-                          <a:srgbClr val="C65911"/>
+                          <a:srgbClr val="D93F01"/>
                         </a:solidFill>
                         <a:effectLst/>
                         <a:latin typeface="Calibri" panose="020F0502020204030204" pitchFamily="34" charset="0"/>
@@ -8138,19 +8766,31 @@
                     <a:bodyPr/>
                     <a:lstStyle/>
                     <a:p>
-                      <a:pPr algn="ctr" fontAlgn="ctr"/>
-                      <a:r>
-                        <a:rPr lang="pt-BR" sz="1600" u="none" strike="noStrike" dirty="0">
-                          <a:effectLst/>
-                        </a:rPr>
-                        <a:t>Não</a:t>
-                      </a:r>
-                      <a:endParaRPr lang="pt-BR" sz="1600" b="1" i="0" u="none" strike="noStrike" dirty="0">
-                        <a:solidFill>
-                          <a:srgbClr val="C65911"/>
-                        </a:solidFill>
+                      <a:pPr algn="ctr">
+                        <a:lnSpc>
+                          <a:spcPct val="107000"/>
+                        </a:lnSpc>
+                        <a:spcAft>
+                          <a:spcPts val="800"/>
+                        </a:spcAft>
+                      </a:pPr>
+                      <a:r>
+                        <a:rPr lang="pt-BR" sz="1400" b="1" dirty="0" smtClean="0">
+                          <a:solidFill>
+                            <a:srgbClr val="FF0000"/>
+                          </a:solidFill>
+                          <a:effectLst/>
+                          <a:latin typeface="Segoe UI Symbol" panose="020B0502040204020203" pitchFamily="34" charset="0"/>
+                          <a:ea typeface="Calibri" panose="020F0502020204030204" pitchFamily="34" charset="0"/>
+                          <a:cs typeface="Times New Roman" panose="02020603050405020304" pitchFamily="18" charset="0"/>
+                        </a:rPr>
+                        <a:t>✘</a:t>
+                      </a:r>
+                      <a:endParaRPr lang="pt-BR" sz="1400" b="1" dirty="0">
                         <a:effectLst/>
                         <a:latin typeface="Calibri" panose="020F0502020204030204" pitchFamily="34" charset="0"/>
+                        <a:ea typeface="Calibri" panose="020F0502020204030204" pitchFamily="34" charset="0"/>
+                        <a:cs typeface="Times New Roman" panose="02020603050405020304" pitchFamily="18" charset="0"/>
                       </a:endParaRPr>
                     </a:p>
                   </a:txBody>
@@ -8170,14 +8810,17 @@
                     <a:p>
                       <a:pPr algn="ctr" fontAlgn="ctr"/>
                       <a:r>
-                        <a:rPr lang="pt-BR" sz="1600" u="none" strike="noStrike" dirty="0">
+                        <a:rPr lang="pt-BR" sz="1400" b="1" u="none" strike="noStrike" dirty="0" smtClean="0">
+                          <a:solidFill>
+                            <a:srgbClr val="D93F01"/>
+                          </a:solidFill>
                           <a:effectLst/>
                         </a:rPr>
                         <a:t>?</a:t>
                       </a:r>
-                      <a:endParaRPr lang="pt-BR" sz="1600" b="1" i="0" u="none" strike="noStrike" dirty="0">
+                      <a:endParaRPr lang="pt-BR" sz="1400" b="1" i="0" u="none" strike="noStrike" dirty="0">
                         <a:solidFill>
-                          <a:srgbClr val="C65911"/>
+                          <a:srgbClr val="D93F01"/>
                         </a:solidFill>
                         <a:effectLst/>
                         <a:latin typeface="Calibri" panose="020F0502020204030204" pitchFamily="34" charset="0"/>
@@ -8191,19 +8834,31 @@
                     <a:bodyPr/>
                     <a:lstStyle/>
                     <a:p>
-                      <a:pPr algn="ctr" fontAlgn="ctr"/>
-                      <a:r>
-                        <a:rPr lang="pt-BR" sz="1600" u="none" strike="noStrike" dirty="0">
-                          <a:effectLst/>
-                        </a:rPr>
-                        <a:t>Não</a:t>
-                      </a:r>
-                      <a:endParaRPr lang="pt-BR" sz="1600" b="1" i="0" u="none" strike="noStrike" dirty="0">
-                        <a:solidFill>
-                          <a:srgbClr val="C65911"/>
-                        </a:solidFill>
+                      <a:pPr algn="ctr">
+                        <a:lnSpc>
+                          <a:spcPct val="107000"/>
+                        </a:lnSpc>
+                        <a:spcAft>
+                          <a:spcPts val="800"/>
+                        </a:spcAft>
+                      </a:pPr>
+                      <a:r>
+                        <a:rPr lang="pt-BR" sz="1400" b="1" dirty="0" smtClean="0">
+                          <a:solidFill>
+                            <a:srgbClr val="FF0000"/>
+                          </a:solidFill>
+                          <a:effectLst/>
+                          <a:latin typeface="Segoe UI Symbol" panose="020B0502040204020203" pitchFamily="34" charset="0"/>
+                          <a:ea typeface="Calibri" panose="020F0502020204030204" pitchFamily="34" charset="0"/>
+                          <a:cs typeface="Times New Roman" panose="02020603050405020304" pitchFamily="18" charset="0"/>
+                        </a:rPr>
+                        <a:t>✘</a:t>
+                      </a:r>
+                      <a:endParaRPr lang="pt-BR" sz="1400" b="1" dirty="0">
                         <a:effectLst/>
                         <a:latin typeface="Calibri" panose="020F0502020204030204" pitchFamily="34" charset="0"/>
+                        <a:ea typeface="Calibri" panose="020F0502020204030204" pitchFamily="34" charset="0"/>
+                        <a:cs typeface="Times New Roman" panose="02020603050405020304" pitchFamily="18" charset="0"/>
                       </a:endParaRPr>
                     </a:p>
                   </a:txBody>
@@ -8221,19 +8876,27 @@
                     <a:bodyPr/>
                     <a:lstStyle/>
                     <a:p>
-                      <a:pPr algn="ctr" fontAlgn="ctr"/>
-                      <a:r>
-                        <a:rPr lang="pt-BR" sz="1600" u="none" strike="noStrike" dirty="0">
-                          <a:effectLst/>
-                        </a:rPr>
-                        <a:t>X</a:t>
-                      </a:r>
-                      <a:endParaRPr lang="pt-BR" sz="1600" b="1" i="0" u="none" strike="noStrike" dirty="0">
+                      <a:pPr algn="ctr"/>
+                      <a:r>
+                        <a:rPr lang="pt-BR" sz="1400" b="1" kern="1200" dirty="0" smtClean="0">
+                          <a:solidFill>
+                            <a:srgbClr val="00B050"/>
+                          </a:solidFill>
+                          <a:effectLst/>
+                          <a:latin typeface="+mn-lt"/>
+                          <a:ea typeface="+mn-ea"/>
+                          <a:cs typeface="+mn-cs"/>
+                        </a:rPr>
+                        <a:t>✔</a:t>
+                      </a:r>
+                      <a:endParaRPr lang="pt-BR" sz="1400" b="1" kern="1200" dirty="0">
                         <a:solidFill>
-                          <a:srgbClr val="C65911"/>
+                          <a:srgbClr val="00B050"/>
                         </a:solidFill>
                         <a:effectLst/>
-                        <a:latin typeface="Calibri" panose="020F0502020204030204" pitchFamily="34" charset="0"/>
+                        <a:latin typeface="+mn-lt"/>
+                        <a:ea typeface="+mn-ea"/>
+                        <a:cs typeface="+mn-cs"/>
                       </a:endParaRPr>
                     </a:p>
                   </a:txBody>
@@ -8244,19 +8907,27 @@
                     <a:bodyPr/>
                     <a:lstStyle/>
                     <a:p>
-                      <a:pPr algn="ctr" fontAlgn="ctr"/>
-                      <a:r>
-                        <a:rPr lang="pt-BR" sz="1600" u="none" strike="noStrike" dirty="0">
-                          <a:effectLst/>
-                        </a:rPr>
-                        <a:t>X</a:t>
-                      </a:r>
-                      <a:endParaRPr lang="pt-BR" sz="1600" b="1" i="0" u="none" strike="noStrike" dirty="0">
+                      <a:pPr algn="ctr"/>
+                      <a:r>
+                        <a:rPr lang="pt-BR" sz="1400" b="1" kern="1200" dirty="0" smtClean="0">
+                          <a:solidFill>
+                            <a:srgbClr val="00B050"/>
+                          </a:solidFill>
+                          <a:effectLst/>
+                          <a:latin typeface="+mn-lt"/>
+                          <a:ea typeface="+mn-ea"/>
+                          <a:cs typeface="+mn-cs"/>
+                        </a:rPr>
+                        <a:t>✔</a:t>
+                      </a:r>
+                      <a:endParaRPr lang="pt-BR" sz="1400" b="1" kern="1200" dirty="0">
                         <a:solidFill>
-                          <a:srgbClr val="C65911"/>
+                          <a:srgbClr val="00B050"/>
                         </a:solidFill>
                         <a:effectLst/>
-                        <a:latin typeface="Calibri" panose="020F0502020204030204" pitchFamily="34" charset="0"/>
+                        <a:latin typeface="+mn-lt"/>
+                        <a:ea typeface="+mn-ea"/>
+                        <a:cs typeface="+mn-cs"/>
                       </a:endParaRPr>
                     </a:p>
                   </a:txBody>
@@ -8274,19 +8945,27 @@
                     <a:bodyPr/>
                     <a:lstStyle/>
                     <a:p>
-                      <a:pPr algn="ctr" fontAlgn="ctr"/>
-                      <a:r>
-                        <a:rPr lang="pt-BR" sz="1600" u="none" strike="noStrike" dirty="0">
-                          <a:effectLst/>
-                        </a:rPr>
-                        <a:t>X</a:t>
-                      </a:r>
-                      <a:endParaRPr lang="pt-BR" sz="1600" b="1" i="0" u="none" strike="noStrike" dirty="0">
+                      <a:pPr algn="ctr"/>
+                      <a:r>
+                        <a:rPr lang="pt-BR" sz="1400" b="1" kern="1200" dirty="0" smtClean="0">
+                          <a:solidFill>
+                            <a:srgbClr val="00B050"/>
+                          </a:solidFill>
+                          <a:effectLst/>
+                          <a:latin typeface="+mn-lt"/>
+                          <a:ea typeface="+mn-ea"/>
+                          <a:cs typeface="+mn-cs"/>
+                        </a:rPr>
+                        <a:t>✔</a:t>
+                      </a:r>
+                      <a:endParaRPr lang="pt-BR" sz="1400" b="1" kern="1200" dirty="0">
                         <a:solidFill>
-                          <a:srgbClr val="C65911"/>
+                          <a:srgbClr val="00B050"/>
                         </a:solidFill>
                         <a:effectLst/>
-                        <a:latin typeface="Calibri" panose="020F0502020204030204" pitchFamily="34" charset="0"/>
+                        <a:latin typeface="+mn-lt"/>
+                        <a:ea typeface="+mn-ea"/>
+                        <a:cs typeface="+mn-cs"/>
                       </a:endParaRPr>
                     </a:p>
                   </a:txBody>
@@ -8301,7 +8980,7 @@
                 </a:tc>
                 <a:extLst>
                   <a:ext uri="{0D108BD9-81ED-4DB2-BD59-A6C34878D82A}">
-                    <a16:rowId xmlns:a16="http://schemas.microsoft.com/office/drawing/2014/main" xmlns="" val="2613110962"/>
+                    <a16:rowId xmlns="" xmlns:a16="http://schemas.microsoft.com/office/drawing/2014/main" val="2613110962"/>
                   </a:ext>
                 </a:extLst>
               </a:tr>
